--- a/Document/presentation/begin end.pptx
+++ b/Document/presentation/begin end.pptx
@@ -5,11 +5,17 @@
     <p:sldMasterId id="2147483660" r:id="rId1"/>
   </p:sldMasterIdLst>
   <p:notesMasterIdLst>
-    <p:notesMasterId r:id="rId4"/>
+    <p:notesMasterId r:id="rId10"/>
   </p:notesMasterIdLst>
   <p:sldIdLst>
     <p:sldId id="257" r:id="rId2"/>
-    <p:sldId id="258" r:id="rId3"/>
+    <p:sldId id="259" r:id="rId3"/>
+    <p:sldId id="260" r:id="rId4"/>
+    <p:sldId id="263" r:id="rId5"/>
+    <p:sldId id="262" r:id="rId6"/>
+    <p:sldId id="264" r:id="rId7"/>
+    <p:sldId id="261" r:id="rId8"/>
+    <p:sldId id="258" r:id="rId9"/>
   </p:sldIdLst>
   <p:sldSz cx="9144000" cy="6858000" type="screen4x3"/>
   <p:notesSz cx="6858000" cy="9144000"/>
@@ -108,6 +114,11 @@
       </a:defRPr>
     </a:lvl9pPr>
   </p:defaultTextStyle>
+  <p:extLst>
+    <p:ext uri="{EFAFB233-063F-42B5-8137-9DF3F51BA10A}">
+      <p15:sldGuideLst xmlns:p15="http://schemas.microsoft.com/office/powerpoint/2012/main"/>
+    </p:ext>
+  </p:extLst>
 </p:presentation>
 </file>
 
@@ -913,6 +924,602 @@
 </file>
 
 <file path=ppt/notesSlides/notesSlide2.xml><?xml version="1.0" encoding="utf-8"?>
+<p:notes xmlns:a="http://schemas.openxmlformats.org/drawingml/2006/main" xmlns:r="http://schemas.openxmlformats.org/officeDocument/2006/relationships" xmlns:p="http://schemas.openxmlformats.org/presentationml/2006/main" showMasterSp="0" showMasterPhAnim="0">
+  <p:cSld>
+    <p:spTree>
+      <p:nvGrpSpPr>
+        <p:cNvPr id="1" name="Shape 2095"/>
+        <p:cNvGrpSpPr/>
+        <p:nvPr/>
+      </p:nvGrpSpPr>
+      <p:grpSpPr>
+        <a:xfrm>
+          <a:off x="0" y="0"/>
+          <a:ext cx="0" cy="0"/>
+          <a:chOff x="0" y="0"/>
+          <a:chExt cx="0" cy="0"/>
+        </a:xfrm>
+      </p:grpSpPr>
+      <p:sp>
+        <p:nvSpPr>
+          <p:cNvPr id="2096" name="Shape 2096"/>
+          <p:cNvSpPr>
+            <a:spLocks noGrp="1" noRot="1" noChangeAspect="1"/>
+          </p:cNvSpPr>
+          <p:nvPr>
+            <p:ph type="sldImg" idx="2"/>
+          </p:nvPr>
+        </p:nvSpPr>
+        <p:spPr>
+          <a:xfrm>
+            <a:off x="1143000" y="685800"/>
+            <a:ext cx="4572000" cy="3429000"/>
+          </a:xfrm>
+          <a:custGeom>
+            <a:avLst/>
+            <a:gdLst/>
+            <a:ahLst/>
+            <a:cxnLst/>
+            <a:rect l="0" t="0" r="0" b="0"/>
+            <a:pathLst>
+              <a:path w="120000" h="120000" extrusionOk="0">
+                <a:moveTo>
+                  <a:pt x="0" y="0"/>
+                </a:moveTo>
+                <a:lnTo>
+                  <a:pt x="120000" y="0"/>
+                </a:lnTo>
+                <a:lnTo>
+                  <a:pt x="120000" y="120000"/>
+                </a:lnTo>
+                <a:lnTo>
+                  <a:pt x="0" y="120000"/>
+                </a:lnTo>
+                <a:close/>
+              </a:path>
+            </a:pathLst>
+          </a:custGeom>
+          <a:noFill/>
+          <a:ln w="9525" cap="flat" cmpd="sng">
+            <a:solidFill>
+              <a:srgbClr val="000000"/>
+            </a:solidFill>
+            <a:prstDash val="solid"/>
+            <a:round/>
+            <a:headEnd type="none" w="med" len="med"/>
+            <a:tailEnd type="none" w="med" len="med"/>
+          </a:ln>
+        </p:spPr>
+      </p:sp>
+      <p:sp>
+        <p:nvSpPr>
+          <p:cNvPr id="2097" name="Shape 2097"/>
+          <p:cNvSpPr txBox="1">
+            <a:spLocks noGrp="1"/>
+          </p:cNvSpPr>
+          <p:nvPr>
+            <p:ph type="body" idx="1"/>
+          </p:nvPr>
+        </p:nvSpPr>
+        <p:spPr>
+          <a:xfrm>
+            <a:off x="685800" y="4343400"/>
+            <a:ext cx="5486399" cy="4114800"/>
+          </a:xfrm>
+          <a:prstGeom prst="rect">
+            <a:avLst/>
+          </a:prstGeom>
+        </p:spPr>
+        <p:txBody>
+          <a:bodyPr lIns="91425" tIns="91425" rIns="91425" bIns="91425" anchor="t" anchorCtr="0">
+            <a:noAutofit/>
+          </a:bodyPr>
+          <a:lstStyle/>
+          <a:p>
+            <a:pPr marL="457200" lvl="0" indent="-228600" rtl="0">
+              <a:spcBef>
+                <a:spcPts val="0"/>
+              </a:spcBef>
+              <a:buChar char="-"/>
+            </a:pPr>
+            <a:r>
+              <a:rPr lang="vi-VN" dirty="0" smtClean="0"/>
+              <a:t>Hiện tại. </a:t>
+            </a:r>
+            <a:r>
+              <a:rPr lang="en-US" dirty="0" smtClean="0"/>
+              <a:t>T</a:t>
+            </a:r>
+            <a:r>
+              <a:rPr lang="vi-VN" dirty="0" smtClean="0"/>
+              <a:t>hông tin thời gian đến và đi tại mỗi trạm được chúng tôi sinh ra bằng code. Do vậy, cách làm này không khớp với thực tế. </a:t>
+            </a:r>
+          </a:p>
+          <a:p>
+            <a:pPr marL="457200" lvl="0" indent="-228600" rtl="0">
+              <a:spcBef>
+                <a:spcPts val="0"/>
+              </a:spcBef>
+              <a:buChar char="-"/>
+            </a:pPr>
+            <a:r>
+              <a:rPr lang="vi-VN" dirty="0" smtClean="0"/>
+              <a:t>Chúng tôi thiết kế thực thể Connection giữa PathInfo và Trip. Với cách thiết kế này, chúng tôi có thể mở rộng hệ thống.</a:t>
+            </a:r>
+            <a:r>
+              <a:rPr lang="vi-VN" baseline="0" dirty="0" smtClean="0"/>
+              <a:t> Cung cấp ứng dụng cho tài xế xe buýt thu thập dữ liệu thời gian tại mỗi trạm, gửi lên server, được approve từ staff và lưu thông tin vào database.</a:t>
+            </a:r>
+            <a:endParaRPr lang="en" dirty="0"/>
+          </a:p>
+        </p:txBody>
+      </p:sp>
+    </p:spTree>
+    <p:extLst>
+      <p:ext uri="{BB962C8B-B14F-4D97-AF65-F5344CB8AC3E}">
+        <p14:creationId xmlns:p14="http://schemas.microsoft.com/office/powerpoint/2010/main" val="1607909430"/>
+      </p:ext>
+    </p:extLst>
+  </p:cSld>
+  <p:clrMapOvr>
+    <a:masterClrMapping/>
+  </p:clrMapOvr>
+</p:notes>
+</file>
+
+<file path=ppt/notesSlides/notesSlide3.xml><?xml version="1.0" encoding="utf-8"?>
+<p:notes xmlns:a="http://schemas.openxmlformats.org/drawingml/2006/main" xmlns:r="http://schemas.openxmlformats.org/officeDocument/2006/relationships" xmlns:p="http://schemas.openxmlformats.org/presentationml/2006/main">
+  <p:cSld>
+    <p:spTree>
+      <p:nvGrpSpPr>
+        <p:cNvPr id="1" name=""/>
+        <p:cNvGrpSpPr/>
+        <p:nvPr/>
+      </p:nvGrpSpPr>
+      <p:grpSpPr>
+        <a:xfrm>
+          <a:off x="0" y="0"/>
+          <a:ext cx="0" cy="0"/>
+          <a:chOff x="0" y="0"/>
+          <a:chExt cx="0" cy="0"/>
+        </a:xfrm>
+      </p:grpSpPr>
+      <p:sp>
+        <p:nvSpPr>
+          <p:cNvPr id="2" name="Slide Image Placeholder 1"/>
+          <p:cNvSpPr>
+            <a:spLocks noGrp="1" noRot="1" noChangeAspect="1"/>
+          </p:cNvSpPr>
+          <p:nvPr>
+            <p:ph type="sldImg"/>
+          </p:nvPr>
+        </p:nvSpPr>
+        <p:spPr/>
+      </p:sp>
+      <p:sp>
+        <p:nvSpPr>
+          <p:cNvPr id="3" name="Notes Placeholder 2"/>
+          <p:cNvSpPr>
+            <a:spLocks noGrp="1"/>
+          </p:cNvSpPr>
+          <p:nvPr>
+            <p:ph type="body" idx="1"/>
+          </p:nvPr>
+        </p:nvSpPr>
+        <p:spPr/>
+        <p:txBody>
+          <a:bodyPr/>
+          <a:lstStyle/>
+          <a:p>
+            <a:endParaRPr lang="en-US" dirty="0"/>
+          </a:p>
+        </p:txBody>
+      </p:sp>
+      <p:sp>
+        <p:nvSpPr>
+          <p:cNvPr id="4" name="Slide Number Placeholder 3"/>
+          <p:cNvSpPr>
+            <a:spLocks noGrp="1"/>
+          </p:cNvSpPr>
+          <p:nvPr>
+            <p:ph type="sldNum" sz="quarter" idx="10"/>
+          </p:nvPr>
+        </p:nvSpPr>
+        <p:spPr/>
+        <p:txBody>
+          <a:bodyPr/>
+          <a:lstStyle/>
+          <a:p>
+            <a:fld id="{3436350E-AE83-B244-8CE8-F69D8F81994C}" type="slidenum">
+              <a:rPr lang="en-US" smtClean="0"/>
+              <a:t>3</a:t>
+            </a:fld>
+            <a:endParaRPr lang="en-US"/>
+          </a:p>
+        </p:txBody>
+      </p:sp>
+    </p:spTree>
+    <p:extLst>
+      <p:ext uri="{BB962C8B-B14F-4D97-AF65-F5344CB8AC3E}">
+        <p14:creationId xmlns:p14="http://schemas.microsoft.com/office/powerpoint/2010/main" val="2091975818"/>
+      </p:ext>
+    </p:extLst>
+  </p:cSld>
+  <p:clrMapOvr>
+    <a:masterClrMapping/>
+  </p:clrMapOvr>
+</p:notes>
+</file>
+
+<file path=ppt/notesSlides/notesSlide4.xml><?xml version="1.0" encoding="utf-8"?>
+<p:notes xmlns:a="http://schemas.openxmlformats.org/drawingml/2006/main" xmlns:r="http://schemas.openxmlformats.org/officeDocument/2006/relationships" xmlns:p="http://schemas.openxmlformats.org/presentationml/2006/main">
+  <p:cSld>
+    <p:spTree>
+      <p:nvGrpSpPr>
+        <p:cNvPr id="1" name=""/>
+        <p:cNvGrpSpPr/>
+        <p:nvPr/>
+      </p:nvGrpSpPr>
+      <p:grpSpPr>
+        <a:xfrm>
+          <a:off x="0" y="0"/>
+          <a:ext cx="0" cy="0"/>
+          <a:chOff x="0" y="0"/>
+          <a:chExt cx="0" cy="0"/>
+        </a:xfrm>
+      </p:grpSpPr>
+      <p:sp>
+        <p:nvSpPr>
+          <p:cNvPr id="2" name="Slide Image Placeholder 1"/>
+          <p:cNvSpPr>
+            <a:spLocks noGrp="1" noRot="1" noChangeAspect="1"/>
+          </p:cNvSpPr>
+          <p:nvPr>
+            <p:ph type="sldImg"/>
+          </p:nvPr>
+        </p:nvSpPr>
+        <p:spPr/>
+      </p:sp>
+      <p:sp>
+        <p:nvSpPr>
+          <p:cNvPr id="3" name="Notes Placeholder 2"/>
+          <p:cNvSpPr>
+            <a:spLocks noGrp="1"/>
+          </p:cNvSpPr>
+          <p:nvPr>
+            <p:ph type="body" idx="1"/>
+          </p:nvPr>
+        </p:nvSpPr>
+        <p:spPr/>
+        <p:txBody>
+          <a:bodyPr/>
+          <a:lstStyle/>
+          <a:p>
+            <a:endParaRPr lang="en-US" dirty="0"/>
+          </a:p>
+        </p:txBody>
+      </p:sp>
+      <p:sp>
+        <p:nvSpPr>
+          <p:cNvPr id="4" name="Slide Number Placeholder 3"/>
+          <p:cNvSpPr>
+            <a:spLocks noGrp="1"/>
+          </p:cNvSpPr>
+          <p:nvPr>
+            <p:ph type="sldNum" sz="quarter" idx="10"/>
+          </p:nvPr>
+        </p:nvSpPr>
+        <p:spPr/>
+        <p:txBody>
+          <a:bodyPr/>
+          <a:lstStyle/>
+          <a:p>
+            <a:fld id="{3436350E-AE83-B244-8CE8-F69D8F81994C}" type="slidenum">
+              <a:rPr lang="en-US" smtClean="0"/>
+              <a:t>4</a:t>
+            </a:fld>
+            <a:endParaRPr lang="en-US"/>
+          </a:p>
+        </p:txBody>
+      </p:sp>
+    </p:spTree>
+    <p:extLst>
+      <p:ext uri="{BB962C8B-B14F-4D97-AF65-F5344CB8AC3E}">
+        <p14:creationId xmlns:p14="http://schemas.microsoft.com/office/powerpoint/2010/main" val="1527119762"/>
+      </p:ext>
+    </p:extLst>
+  </p:cSld>
+  <p:clrMapOvr>
+    <a:masterClrMapping/>
+  </p:clrMapOvr>
+</p:notes>
+</file>
+
+<file path=ppt/notesSlides/notesSlide5.xml><?xml version="1.0" encoding="utf-8"?>
+<p:notes xmlns:a="http://schemas.openxmlformats.org/drawingml/2006/main" xmlns:r="http://schemas.openxmlformats.org/officeDocument/2006/relationships" xmlns:p="http://schemas.openxmlformats.org/presentationml/2006/main">
+  <p:cSld>
+    <p:spTree>
+      <p:nvGrpSpPr>
+        <p:cNvPr id="1" name=""/>
+        <p:cNvGrpSpPr/>
+        <p:nvPr/>
+      </p:nvGrpSpPr>
+      <p:grpSpPr>
+        <a:xfrm>
+          <a:off x="0" y="0"/>
+          <a:ext cx="0" cy="0"/>
+          <a:chOff x="0" y="0"/>
+          <a:chExt cx="0" cy="0"/>
+        </a:xfrm>
+      </p:grpSpPr>
+      <p:sp>
+        <p:nvSpPr>
+          <p:cNvPr id="2" name="Slide Image Placeholder 1"/>
+          <p:cNvSpPr>
+            <a:spLocks noGrp="1" noRot="1" noChangeAspect="1"/>
+          </p:cNvSpPr>
+          <p:nvPr>
+            <p:ph type="sldImg"/>
+          </p:nvPr>
+        </p:nvSpPr>
+        <p:spPr/>
+      </p:sp>
+      <p:sp>
+        <p:nvSpPr>
+          <p:cNvPr id="3" name="Notes Placeholder 2"/>
+          <p:cNvSpPr>
+            <a:spLocks noGrp="1"/>
+          </p:cNvSpPr>
+          <p:nvPr>
+            <p:ph type="body" idx="1"/>
+          </p:nvPr>
+        </p:nvSpPr>
+        <p:spPr/>
+        <p:txBody>
+          <a:bodyPr/>
+          <a:lstStyle/>
+          <a:p>
+            <a:endParaRPr lang="en-US" dirty="0"/>
+          </a:p>
+        </p:txBody>
+      </p:sp>
+      <p:sp>
+        <p:nvSpPr>
+          <p:cNvPr id="4" name="Slide Number Placeholder 3"/>
+          <p:cNvSpPr>
+            <a:spLocks noGrp="1"/>
+          </p:cNvSpPr>
+          <p:nvPr>
+            <p:ph type="sldNum" sz="quarter" idx="10"/>
+          </p:nvPr>
+        </p:nvSpPr>
+        <p:spPr/>
+        <p:txBody>
+          <a:bodyPr/>
+          <a:lstStyle/>
+          <a:p>
+            <a:fld id="{3436350E-AE83-B244-8CE8-F69D8F81994C}" type="slidenum">
+              <a:rPr lang="en-US" smtClean="0"/>
+              <a:t>5</a:t>
+            </a:fld>
+            <a:endParaRPr lang="en-US"/>
+          </a:p>
+        </p:txBody>
+      </p:sp>
+    </p:spTree>
+    <p:extLst>
+      <p:ext uri="{BB962C8B-B14F-4D97-AF65-F5344CB8AC3E}">
+        <p14:creationId xmlns:p14="http://schemas.microsoft.com/office/powerpoint/2010/main" val="173764380"/>
+      </p:ext>
+    </p:extLst>
+  </p:cSld>
+  <p:clrMapOvr>
+    <a:masterClrMapping/>
+  </p:clrMapOvr>
+</p:notes>
+</file>
+
+<file path=ppt/notesSlides/notesSlide6.xml><?xml version="1.0" encoding="utf-8"?>
+<p:notes xmlns:a="http://schemas.openxmlformats.org/drawingml/2006/main" xmlns:r="http://schemas.openxmlformats.org/officeDocument/2006/relationships" xmlns:p="http://schemas.openxmlformats.org/presentationml/2006/main">
+  <p:cSld>
+    <p:spTree>
+      <p:nvGrpSpPr>
+        <p:cNvPr id="1" name=""/>
+        <p:cNvGrpSpPr/>
+        <p:nvPr/>
+      </p:nvGrpSpPr>
+      <p:grpSpPr>
+        <a:xfrm>
+          <a:off x="0" y="0"/>
+          <a:ext cx="0" cy="0"/>
+          <a:chOff x="0" y="0"/>
+          <a:chExt cx="0" cy="0"/>
+        </a:xfrm>
+      </p:grpSpPr>
+      <p:sp>
+        <p:nvSpPr>
+          <p:cNvPr id="2" name="Slide Image Placeholder 1"/>
+          <p:cNvSpPr>
+            <a:spLocks noGrp="1" noRot="1" noChangeAspect="1"/>
+          </p:cNvSpPr>
+          <p:nvPr>
+            <p:ph type="sldImg"/>
+          </p:nvPr>
+        </p:nvSpPr>
+        <p:spPr/>
+      </p:sp>
+      <p:sp>
+        <p:nvSpPr>
+          <p:cNvPr id="3" name="Notes Placeholder 2"/>
+          <p:cNvSpPr>
+            <a:spLocks noGrp="1"/>
+          </p:cNvSpPr>
+          <p:nvPr>
+            <p:ph type="body" idx="1"/>
+          </p:nvPr>
+        </p:nvSpPr>
+        <p:spPr/>
+        <p:txBody>
+          <a:bodyPr/>
+          <a:lstStyle/>
+          <a:p>
+            <a:endParaRPr lang="en-US" dirty="0"/>
+          </a:p>
+        </p:txBody>
+      </p:sp>
+      <p:sp>
+        <p:nvSpPr>
+          <p:cNvPr id="4" name="Slide Number Placeholder 3"/>
+          <p:cNvSpPr>
+            <a:spLocks noGrp="1"/>
+          </p:cNvSpPr>
+          <p:nvPr>
+            <p:ph type="sldNum" sz="quarter" idx="10"/>
+          </p:nvPr>
+        </p:nvSpPr>
+        <p:spPr/>
+        <p:txBody>
+          <a:bodyPr/>
+          <a:lstStyle/>
+          <a:p>
+            <a:fld id="{3436350E-AE83-B244-8CE8-F69D8F81994C}" type="slidenum">
+              <a:rPr lang="en-US" smtClean="0"/>
+              <a:t>6</a:t>
+            </a:fld>
+            <a:endParaRPr lang="en-US"/>
+          </a:p>
+        </p:txBody>
+      </p:sp>
+    </p:spTree>
+    <p:extLst>
+      <p:ext uri="{BB962C8B-B14F-4D97-AF65-F5344CB8AC3E}">
+        <p14:creationId xmlns:p14="http://schemas.microsoft.com/office/powerpoint/2010/main" val="2045143479"/>
+      </p:ext>
+    </p:extLst>
+  </p:cSld>
+  <p:clrMapOvr>
+    <a:masterClrMapping/>
+  </p:clrMapOvr>
+</p:notes>
+</file>
+
+<file path=ppt/notesSlides/notesSlide7.xml><?xml version="1.0" encoding="utf-8"?>
+<p:notes xmlns:a="http://schemas.openxmlformats.org/drawingml/2006/main" xmlns:r="http://schemas.openxmlformats.org/officeDocument/2006/relationships" xmlns:p="http://schemas.openxmlformats.org/presentationml/2006/main" showMasterSp="0" showMasterPhAnim="0">
+  <p:cSld>
+    <p:spTree>
+      <p:nvGrpSpPr>
+        <p:cNvPr id="1" name="Shape 2095"/>
+        <p:cNvGrpSpPr/>
+        <p:nvPr/>
+      </p:nvGrpSpPr>
+      <p:grpSpPr>
+        <a:xfrm>
+          <a:off x="0" y="0"/>
+          <a:ext cx="0" cy="0"/>
+          <a:chOff x="0" y="0"/>
+          <a:chExt cx="0" cy="0"/>
+        </a:xfrm>
+      </p:grpSpPr>
+      <p:sp>
+        <p:nvSpPr>
+          <p:cNvPr id="2096" name="Shape 2096"/>
+          <p:cNvSpPr>
+            <a:spLocks noGrp="1" noRot="1" noChangeAspect="1"/>
+          </p:cNvSpPr>
+          <p:nvPr>
+            <p:ph type="sldImg" idx="2"/>
+          </p:nvPr>
+        </p:nvSpPr>
+        <p:spPr>
+          <a:xfrm>
+            <a:off x="1143000" y="685800"/>
+            <a:ext cx="4572000" cy="3429000"/>
+          </a:xfrm>
+          <a:custGeom>
+            <a:avLst/>
+            <a:gdLst/>
+            <a:ahLst/>
+            <a:cxnLst/>
+            <a:rect l="0" t="0" r="0" b="0"/>
+            <a:pathLst>
+              <a:path w="120000" h="120000" extrusionOk="0">
+                <a:moveTo>
+                  <a:pt x="0" y="0"/>
+                </a:moveTo>
+                <a:lnTo>
+                  <a:pt x="120000" y="0"/>
+                </a:lnTo>
+                <a:lnTo>
+                  <a:pt x="120000" y="120000"/>
+                </a:lnTo>
+                <a:lnTo>
+                  <a:pt x="0" y="120000"/>
+                </a:lnTo>
+                <a:close/>
+              </a:path>
+            </a:pathLst>
+          </a:custGeom>
+          <a:noFill/>
+          <a:ln w="9525" cap="flat" cmpd="sng">
+            <a:solidFill>
+              <a:srgbClr val="000000"/>
+            </a:solidFill>
+            <a:prstDash val="solid"/>
+            <a:round/>
+            <a:headEnd type="none" w="med" len="med"/>
+            <a:tailEnd type="none" w="med" len="med"/>
+          </a:ln>
+        </p:spPr>
+      </p:sp>
+      <p:sp>
+        <p:nvSpPr>
+          <p:cNvPr id="2097" name="Shape 2097"/>
+          <p:cNvSpPr txBox="1">
+            <a:spLocks noGrp="1"/>
+          </p:cNvSpPr>
+          <p:nvPr>
+            <p:ph type="body" idx="1"/>
+          </p:nvPr>
+        </p:nvSpPr>
+        <p:spPr>
+          <a:xfrm>
+            <a:off x="685800" y="4343400"/>
+            <a:ext cx="5486399" cy="4114800"/>
+          </a:xfrm>
+          <a:prstGeom prst="rect">
+            <a:avLst/>
+          </a:prstGeom>
+        </p:spPr>
+        <p:txBody>
+          <a:bodyPr lIns="91425" tIns="91425" rIns="91425" bIns="91425" anchor="t" anchorCtr="0">
+            <a:noAutofit/>
+          </a:bodyPr>
+          <a:lstStyle/>
+          <a:p>
+            <a:pPr marL="457200" lvl="0" indent="-228600" rtl="0">
+              <a:spcBef>
+                <a:spcPts val="0"/>
+              </a:spcBef>
+              <a:buChar char="-"/>
+            </a:pPr>
+            <a:endParaRPr lang="en" dirty="0"/>
+          </a:p>
+        </p:txBody>
+      </p:sp>
+    </p:spTree>
+    <p:extLst>
+      <p:ext uri="{BB962C8B-B14F-4D97-AF65-F5344CB8AC3E}">
+        <p14:creationId xmlns:p14="http://schemas.microsoft.com/office/powerpoint/2010/main" val="1966197856"/>
+      </p:ext>
+    </p:extLst>
+  </p:cSld>
+  <p:clrMapOvr>
+    <a:masterClrMapping/>
+  </p:clrMapOvr>
+</p:notes>
+</file>
+
+<file path=ppt/notesSlides/notesSlide8.xml><?xml version="1.0" encoding="utf-8"?>
 <p:notes xmlns:a="http://schemas.openxmlformats.org/drawingml/2006/main" xmlns:r="http://schemas.openxmlformats.org/officeDocument/2006/relationships" xmlns:p="http://schemas.openxmlformats.org/presentationml/2006/main" showMasterSp="0" showMasterPhAnim="0">
   <p:cSld>
     <p:spTree>
@@ -3918,6 +4525,2320 @@
   <p:cSld>
     <p:spTree>
       <p:nvGrpSpPr>
+        <p:cNvPr id="1" name="Shape 2098"/>
+        <p:cNvGrpSpPr/>
+        <p:nvPr/>
+      </p:nvGrpSpPr>
+      <p:grpSpPr>
+        <a:xfrm>
+          <a:off x="0" y="0"/>
+          <a:ext cx="0" cy="0"/>
+          <a:chOff x="0" y="0"/>
+          <a:chExt cx="0" cy="0"/>
+        </a:xfrm>
+      </p:grpSpPr>
+      <p:sp>
+        <p:nvSpPr>
+          <p:cNvPr id="16" name="Shape 2099"/>
+          <p:cNvSpPr txBox="1">
+            <a:spLocks noGrp="1"/>
+          </p:cNvSpPr>
+          <p:nvPr>
+            <p:ph type="title"/>
+          </p:nvPr>
+        </p:nvSpPr>
+        <p:spPr>
+          <a:xfrm>
+            <a:off x="1515658" y="463201"/>
+            <a:ext cx="6172200" cy="687979"/>
+          </a:xfrm>
+          <a:prstGeom prst="rect">
+            <a:avLst/>
+          </a:prstGeom>
+        </p:spPr>
+        <p:txBody>
+          <a:bodyPr lIns="68569" tIns="68569" rIns="68569" bIns="68569" anchor="b" anchorCtr="0">
+            <a:noAutofit/>
+          </a:bodyPr>
+          <a:lstStyle/>
+          <a:p>
+            <a:r>
+              <a:rPr lang="en" sz="4800" dirty="0"/>
+              <a:t>Future plans</a:t>
+            </a:r>
+          </a:p>
+        </p:txBody>
+      </p:sp>
+      <p:sp>
+        <p:nvSpPr>
+          <p:cNvPr id="2101" name="Shape 2101"/>
+          <p:cNvSpPr txBox="1">
+            <a:spLocks noGrp="1"/>
+          </p:cNvSpPr>
+          <p:nvPr>
+            <p:ph type="sldNum" idx="12"/>
+          </p:nvPr>
+        </p:nvSpPr>
+        <p:spPr>
+          <a:xfrm>
+            <a:off x="7560595" y="5607102"/>
+            <a:ext cx="411524" cy="393524"/>
+          </a:xfrm>
+          <a:prstGeom prst="rect">
+            <a:avLst/>
+          </a:prstGeom>
+        </p:spPr>
+        <p:txBody>
+          <a:bodyPr lIns="68569" tIns="68569" rIns="68569" bIns="68569" anchor="ctr" anchorCtr="0">
+            <a:noAutofit/>
+          </a:bodyPr>
+          <a:lstStyle/>
+          <a:p>
+            <a:fld id="{00000000-1234-1234-1234-123412341234}" type="slidenum">
+              <a:rPr lang="en"/>
+              <a:pPr/>
+              <a:t>2</a:t>
+            </a:fld>
+            <a:endParaRPr lang="en"/>
+          </a:p>
+        </p:txBody>
+      </p:sp>
+      <p:sp>
+        <p:nvSpPr>
+          <p:cNvPr id="2103" name="Shape 2103"/>
+          <p:cNvSpPr/>
+          <p:nvPr/>
+        </p:nvSpPr>
+        <p:spPr>
+          <a:xfrm>
+            <a:off x="5866126" y="2538789"/>
+            <a:ext cx="803699" cy="333899"/>
+          </a:xfrm>
+          <a:prstGeom prst="rect">
+            <a:avLst/>
+          </a:prstGeom>
+          <a:solidFill>
+            <a:srgbClr val="FFFFFF"/>
+          </a:solidFill>
+          <a:ln w="19050" cap="flat" cmpd="sng">
+            <a:solidFill>
+              <a:srgbClr val="FFFFFF"/>
+            </a:solidFill>
+            <a:prstDash val="solid"/>
+            <a:round/>
+            <a:headEnd type="none" w="med" len="med"/>
+            <a:tailEnd type="none" w="med" len="med"/>
+          </a:ln>
+        </p:spPr>
+        <p:txBody>
+          <a:bodyPr lIns="68569" tIns="68569" rIns="68569" bIns="68569" anchor="ctr" anchorCtr="0">
+            <a:noAutofit/>
+          </a:bodyPr>
+          <a:lstStyle/>
+          <a:p>
+            <a:endParaRPr sz="1350"/>
+          </a:p>
+        </p:txBody>
+      </p:sp>
+      <p:sp>
+        <p:nvSpPr>
+          <p:cNvPr id="2105" name="Shape 2105"/>
+          <p:cNvSpPr/>
+          <p:nvPr/>
+        </p:nvSpPr>
+        <p:spPr>
+          <a:xfrm>
+            <a:off x="7687858" y="2567814"/>
+            <a:ext cx="251099" cy="333899"/>
+          </a:xfrm>
+          <a:prstGeom prst="rect">
+            <a:avLst/>
+          </a:prstGeom>
+          <a:solidFill>
+            <a:srgbClr val="FFFFFF"/>
+          </a:solidFill>
+          <a:ln>
+            <a:noFill/>
+          </a:ln>
+        </p:spPr>
+        <p:txBody>
+          <a:bodyPr lIns="68569" tIns="68569" rIns="68569" bIns="68569" anchor="ctr" anchorCtr="0">
+            <a:noAutofit/>
+          </a:bodyPr>
+          <a:lstStyle/>
+          <a:p>
+            <a:endParaRPr sz="1350"/>
+          </a:p>
+        </p:txBody>
+      </p:sp>
+      <p:sp>
+        <p:nvSpPr>
+          <p:cNvPr id="2106" name="Shape 2106"/>
+          <p:cNvSpPr/>
+          <p:nvPr/>
+        </p:nvSpPr>
+        <p:spPr>
+          <a:xfrm>
+            <a:off x="7597519" y="3127914"/>
+            <a:ext cx="341550" cy="333899"/>
+          </a:xfrm>
+          <a:prstGeom prst="rect">
+            <a:avLst/>
+          </a:prstGeom>
+          <a:solidFill>
+            <a:srgbClr val="FFFFFF"/>
+          </a:solidFill>
+          <a:ln>
+            <a:noFill/>
+          </a:ln>
+        </p:spPr>
+        <p:txBody>
+          <a:bodyPr lIns="68569" tIns="68569" rIns="68569" bIns="68569" anchor="ctr" anchorCtr="0">
+            <a:noAutofit/>
+          </a:bodyPr>
+          <a:lstStyle/>
+          <a:p>
+            <a:endParaRPr sz="1350"/>
+          </a:p>
+        </p:txBody>
+      </p:sp>
+      <p:sp>
+        <p:nvSpPr>
+          <p:cNvPr id="2107" name="Shape 2107"/>
+          <p:cNvSpPr/>
+          <p:nvPr/>
+        </p:nvSpPr>
+        <p:spPr>
+          <a:xfrm>
+            <a:off x="7560600" y="3741188"/>
+            <a:ext cx="341550" cy="165600"/>
+          </a:xfrm>
+          <a:prstGeom prst="rect">
+            <a:avLst/>
+          </a:prstGeom>
+          <a:solidFill>
+            <a:srgbClr val="FFFFFF"/>
+          </a:solidFill>
+          <a:ln>
+            <a:noFill/>
+          </a:ln>
+        </p:spPr>
+        <p:txBody>
+          <a:bodyPr lIns="68569" tIns="68569" rIns="68569" bIns="68569" anchor="ctr" anchorCtr="0">
+            <a:noAutofit/>
+          </a:bodyPr>
+          <a:lstStyle/>
+          <a:p>
+            <a:endParaRPr sz="1350"/>
+          </a:p>
+        </p:txBody>
+      </p:sp>
+      <p:pic>
+        <p:nvPicPr>
+          <p:cNvPr id="4" name="Picture 3"/>
+          <p:cNvPicPr>
+            <a:picLocks noChangeAspect="1"/>
+          </p:cNvPicPr>
+          <p:nvPr/>
+        </p:nvPicPr>
+        <p:blipFill>
+          <a:blip r:embed="rId3">
+            <a:extLst>
+              <a:ext uri="{28A0092B-C50C-407E-A947-70E740481C1C}">
+                <a14:useLocalDpi xmlns:a14="http://schemas.microsoft.com/office/drawing/2010/main" val="0"/>
+              </a:ext>
+            </a:extLst>
+          </a:blip>
+          <a:stretch>
+            <a:fillRect/>
+          </a:stretch>
+        </p:blipFill>
+        <p:spPr>
+          <a:xfrm>
+            <a:off x="5300134" y="2157957"/>
+            <a:ext cx="3623734" cy="3831214"/>
+          </a:xfrm>
+          <a:prstGeom prst="rect">
+            <a:avLst/>
+          </a:prstGeom>
+        </p:spPr>
+      </p:pic>
+      <p:sp>
+        <p:nvSpPr>
+          <p:cNvPr id="5" name="TextBox 4"/>
+          <p:cNvSpPr txBox="1"/>
+          <p:nvPr/>
+        </p:nvSpPr>
+        <p:spPr>
+          <a:xfrm>
+            <a:off x="355601" y="3562378"/>
+            <a:ext cx="4944534" cy="954107"/>
+          </a:xfrm>
+          <a:prstGeom prst="rect">
+            <a:avLst/>
+          </a:prstGeom>
+          <a:noFill/>
+        </p:spPr>
+        <p:txBody>
+          <a:bodyPr wrap="square" rtlCol="0">
+            <a:spAutoFit/>
+          </a:bodyPr>
+          <a:lstStyle/>
+          <a:p>
+            <a:pPr algn="ctr"/>
+            <a:r>
+              <a:rPr lang="en-US" sz="2800" dirty="0">
+                <a:latin typeface="Cambria" charset="0"/>
+                <a:ea typeface="Cambria" charset="0"/>
+                <a:cs typeface="Cambria" charset="0"/>
+              </a:rPr>
+              <a:t>Support collecting data from bus driver</a:t>
+            </a:r>
+          </a:p>
+        </p:txBody>
+      </p:sp>
+      <p:sp>
+        <p:nvSpPr>
+          <p:cNvPr id="10" name="Shape 81"/>
+          <p:cNvSpPr/>
+          <p:nvPr/>
+        </p:nvSpPr>
+        <p:spPr>
+          <a:xfrm>
+            <a:off x="252129" y="1747686"/>
+            <a:ext cx="666900" cy="666900"/>
+          </a:xfrm>
+          <a:prstGeom prst="ellipse">
+            <a:avLst/>
+          </a:prstGeom>
+          <a:solidFill>
+            <a:schemeClr val="lt2"/>
+          </a:solidFill>
+          <a:ln w="19050" cap="flat" cmpd="sng">
+            <a:solidFill>
+              <a:schemeClr val="dk2"/>
+            </a:solidFill>
+            <a:prstDash val="solid"/>
+            <a:round/>
+            <a:headEnd type="none" w="med" len="med"/>
+            <a:tailEnd type="none" w="med" len="med"/>
+          </a:ln>
+        </p:spPr>
+        <p:txBody>
+          <a:bodyPr lIns="68569" tIns="68569" rIns="68569" bIns="68569" anchor="ctr" anchorCtr="0">
+            <a:noAutofit/>
+          </a:bodyPr>
+          <a:lstStyle/>
+          <a:p>
+            <a:pPr algn="ctr"/>
+            <a:r>
+              <a:rPr lang="en-US" sz="2250" b="1" dirty="0" smtClean="0"/>
+              <a:t>1</a:t>
+            </a:r>
+            <a:endParaRPr lang="en" sz="2250" b="1" dirty="0"/>
+          </a:p>
+        </p:txBody>
+      </p:sp>
+    </p:spTree>
+    <p:extLst>
+      <p:ext uri="{BB962C8B-B14F-4D97-AF65-F5344CB8AC3E}">
+        <p14:creationId xmlns:p14="http://schemas.microsoft.com/office/powerpoint/2010/main" val="1200269043"/>
+      </p:ext>
+    </p:extLst>
+  </p:cSld>
+  <p:clrMapOvr>
+    <a:masterClrMapping/>
+  </p:clrMapOvr>
+  <p:transition spd="slow">
+    <p:cut/>
+  </p:transition>
+</p:sld>
+</file>
+
+<file path=ppt/slides/slide3.xml><?xml version="1.0" encoding="utf-8"?>
+<p:sld xmlns:a="http://schemas.openxmlformats.org/drawingml/2006/main" xmlns:r="http://schemas.openxmlformats.org/officeDocument/2006/relationships" xmlns:p="http://schemas.openxmlformats.org/presentationml/2006/main">
+  <p:cSld>
+    <p:spTree>
+      <p:nvGrpSpPr>
+        <p:cNvPr id="1" name=""/>
+        <p:cNvGrpSpPr/>
+        <p:nvPr/>
+      </p:nvGrpSpPr>
+      <p:grpSpPr>
+        <a:xfrm>
+          <a:off x="0" y="0"/>
+          <a:ext cx="0" cy="0"/>
+          <a:chOff x="0" y="0"/>
+          <a:chExt cx="0" cy="0"/>
+        </a:xfrm>
+      </p:grpSpPr>
+      <p:sp>
+        <p:nvSpPr>
+          <p:cNvPr id="8" name="Shape 2099"/>
+          <p:cNvSpPr txBox="1">
+            <a:spLocks noGrp="1"/>
+          </p:cNvSpPr>
+          <p:nvPr>
+            <p:ph type="title"/>
+          </p:nvPr>
+        </p:nvSpPr>
+        <p:spPr>
+          <a:xfrm>
+            <a:off x="1515658" y="463201"/>
+            <a:ext cx="6172200" cy="687979"/>
+          </a:xfrm>
+          <a:prstGeom prst="rect">
+            <a:avLst/>
+          </a:prstGeom>
+        </p:spPr>
+        <p:txBody>
+          <a:bodyPr lIns="68569" tIns="68569" rIns="68569" bIns="68569" anchor="b" anchorCtr="0">
+            <a:noAutofit/>
+          </a:bodyPr>
+          <a:lstStyle/>
+          <a:p>
+            <a:r>
+              <a:rPr lang="en" sz="4800" dirty="0"/>
+              <a:t>Future plans</a:t>
+            </a:r>
+          </a:p>
+        </p:txBody>
+      </p:sp>
+      <p:sp>
+        <p:nvSpPr>
+          <p:cNvPr id="3" name="Text Placeholder 2"/>
+          <p:cNvSpPr>
+            <a:spLocks noGrp="1"/>
+          </p:cNvSpPr>
+          <p:nvPr>
+            <p:ph type="body" idx="1"/>
+          </p:nvPr>
+        </p:nvSpPr>
+        <p:spPr>
+          <a:xfrm>
+            <a:off x="486958" y="2562484"/>
+            <a:ext cx="8229600" cy="938256"/>
+          </a:xfrm>
+        </p:spPr>
+        <p:txBody>
+          <a:bodyPr/>
+          <a:lstStyle/>
+          <a:p>
+            <a:r>
+              <a:rPr lang="vi-VN" sz="2800" dirty="0">
+                <a:latin typeface="Cambria" charset="0"/>
+                <a:ea typeface="Cambria" charset="0"/>
+                <a:cs typeface="Cambria" charset="0"/>
+              </a:rPr>
+              <a:t>Supporting blind people fully use application.</a:t>
+            </a:r>
+            <a:endParaRPr lang="en-US" sz="2800" dirty="0">
+              <a:latin typeface="Cambria" charset="0"/>
+              <a:ea typeface="Cambria" charset="0"/>
+              <a:cs typeface="Cambria" charset="0"/>
+            </a:endParaRPr>
+          </a:p>
+          <a:p>
+            <a:endParaRPr lang="en-US" dirty="0"/>
+          </a:p>
+        </p:txBody>
+      </p:sp>
+      <p:sp>
+        <p:nvSpPr>
+          <p:cNvPr id="4" name="Slide Number Placeholder 3"/>
+          <p:cNvSpPr>
+            <a:spLocks noGrp="1"/>
+          </p:cNvSpPr>
+          <p:nvPr>
+            <p:ph type="sldNum" idx="12"/>
+          </p:nvPr>
+        </p:nvSpPr>
+        <p:spPr/>
+        <p:txBody>
+          <a:bodyPr/>
+          <a:lstStyle/>
+          <a:p>
+            <a:fld id="{00000000-1234-1234-1234-123412341234}" type="slidenum">
+              <a:rPr lang="en" smtClean="0"/>
+              <a:pPr/>
+              <a:t>3</a:t>
+            </a:fld>
+            <a:endParaRPr lang="en"/>
+          </a:p>
+        </p:txBody>
+      </p:sp>
+      <p:sp>
+        <p:nvSpPr>
+          <p:cNvPr id="9" name="Shape 81"/>
+          <p:cNvSpPr/>
+          <p:nvPr/>
+        </p:nvSpPr>
+        <p:spPr>
+          <a:xfrm>
+            <a:off x="252129" y="1747686"/>
+            <a:ext cx="666900" cy="666900"/>
+          </a:xfrm>
+          <a:prstGeom prst="ellipse">
+            <a:avLst/>
+          </a:prstGeom>
+          <a:solidFill>
+            <a:schemeClr val="lt2"/>
+          </a:solidFill>
+          <a:ln w="19050" cap="flat" cmpd="sng">
+            <a:solidFill>
+              <a:schemeClr val="dk2"/>
+            </a:solidFill>
+            <a:prstDash val="solid"/>
+            <a:round/>
+            <a:headEnd type="none" w="med" len="med"/>
+            <a:tailEnd type="none" w="med" len="med"/>
+          </a:ln>
+        </p:spPr>
+        <p:txBody>
+          <a:bodyPr lIns="68569" tIns="68569" rIns="68569" bIns="68569" anchor="ctr" anchorCtr="0">
+            <a:noAutofit/>
+          </a:bodyPr>
+          <a:lstStyle/>
+          <a:p>
+            <a:pPr algn="ctr"/>
+            <a:r>
+              <a:rPr lang="en-US" sz="2250" b="1" dirty="0" smtClean="0"/>
+              <a:t>1</a:t>
+            </a:r>
+            <a:endParaRPr lang="en" sz="2250" b="1" dirty="0"/>
+          </a:p>
+        </p:txBody>
+      </p:sp>
+      <p:sp>
+        <p:nvSpPr>
+          <p:cNvPr id="10" name="Shape 81"/>
+          <p:cNvSpPr/>
+          <p:nvPr/>
+        </p:nvSpPr>
+        <p:spPr>
+          <a:xfrm>
+            <a:off x="1369729" y="1747686"/>
+            <a:ext cx="666900" cy="666900"/>
+          </a:xfrm>
+          <a:prstGeom prst="ellipse">
+            <a:avLst/>
+          </a:prstGeom>
+          <a:solidFill>
+            <a:schemeClr val="lt2"/>
+          </a:solidFill>
+          <a:ln w="19050" cap="flat" cmpd="sng">
+            <a:solidFill>
+              <a:schemeClr val="dk2"/>
+            </a:solidFill>
+            <a:prstDash val="solid"/>
+            <a:round/>
+            <a:headEnd type="none" w="med" len="med"/>
+            <a:tailEnd type="none" w="med" len="med"/>
+          </a:ln>
+        </p:spPr>
+        <p:txBody>
+          <a:bodyPr lIns="68569" tIns="68569" rIns="68569" bIns="68569" anchor="ctr" anchorCtr="0">
+            <a:noAutofit/>
+          </a:bodyPr>
+          <a:lstStyle/>
+          <a:p>
+            <a:pPr algn="ctr"/>
+            <a:r>
+              <a:rPr lang="en-US" sz="2250" b="1" dirty="0" smtClean="0"/>
+              <a:t>2</a:t>
+            </a:r>
+            <a:endParaRPr lang="en" sz="2250" b="1" dirty="0"/>
+          </a:p>
+        </p:txBody>
+      </p:sp>
+      <p:pic>
+        <p:nvPicPr>
+          <p:cNvPr id="2" name="Picture 1"/>
+          <p:cNvPicPr>
+            <a:picLocks noChangeAspect="1"/>
+          </p:cNvPicPr>
+          <p:nvPr/>
+        </p:nvPicPr>
+        <p:blipFill>
+          <a:blip r:embed="rId3">
+            <a:extLst>
+              <a:ext uri="{28A0092B-C50C-407E-A947-70E740481C1C}">
+                <a14:useLocalDpi xmlns:a14="http://schemas.microsoft.com/office/drawing/2010/main" val="0"/>
+              </a:ext>
+            </a:extLst>
+          </a:blip>
+          <a:stretch>
+            <a:fillRect/>
+          </a:stretch>
+        </p:blipFill>
+        <p:spPr>
+          <a:xfrm>
+            <a:off x="1703179" y="3587566"/>
+            <a:ext cx="2136707" cy="2947182"/>
+          </a:xfrm>
+          <a:prstGeom prst="rect">
+            <a:avLst/>
+          </a:prstGeom>
+        </p:spPr>
+      </p:pic>
+      <p:sp>
+        <p:nvSpPr>
+          <p:cNvPr id="5" name="Rectangle 4"/>
+          <p:cNvSpPr/>
+          <p:nvPr/>
+        </p:nvSpPr>
+        <p:spPr>
+          <a:xfrm>
+            <a:off x="6270354" y="3500740"/>
+            <a:ext cx="2067951" cy="3034008"/>
+          </a:xfrm>
+          <a:prstGeom prst="rect">
+            <a:avLst/>
+          </a:prstGeom>
+          <a:solidFill>
+            <a:schemeClr val="bg1"/>
+          </a:solidFill>
+          <a:ln w="38100">
+            <a:solidFill>
+              <a:srgbClr val="00B0F0"/>
+            </a:solidFill>
+          </a:ln>
+        </p:spPr>
+        <p:style>
+          <a:lnRef idx="2">
+            <a:schemeClr val="accent1">
+              <a:shade val="50000"/>
+            </a:schemeClr>
+          </a:lnRef>
+          <a:fillRef idx="1">
+            <a:schemeClr val="accent1"/>
+          </a:fillRef>
+          <a:effectRef idx="0">
+            <a:schemeClr val="accent1"/>
+          </a:effectRef>
+          <a:fontRef idx="minor">
+            <a:schemeClr val="lt1"/>
+          </a:fontRef>
+        </p:style>
+        <p:txBody>
+          <a:bodyPr rtlCol="0" anchor="ctr"/>
+          <a:lstStyle/>
+          <a:p>
+            <a:pPr algn="ctr"/>
+            <a:endParaRPr lang="en-US"/>
+          </a:p>
+        </p:txBody>
+      </p:sp>
+    </p:spTree>
+    <p:extLst>
+      <p:ext uri="{BB962C8B-B14F-4D97-AF65-F5344CB8AC3E}">
+        <p14:creationId xmlns:p14="http://schemas.microsoft.com/office/powerpoint/2010/main" val="199576162"/>
+      </p:ext>
+    </p:extLst>
+  </p:cSld>
+  <p:clrMapOvr>
+    <a:masterClrMapping/>
+  </p:clrMapOvr>
+</p:sld>
+</file>
+
+<file path=ppt/slides/slide4.xml><?xml version="1.0" encoding="utf-8"?>
+<p:sld xmlns:a="http://schemas.openxmlformats.org/drawingml/2006/main" xmlns:r="http://schemas.openxmlformats.org/officeDocument/2006/relationships" xmlns:p="http://schemas.openxmlformats.org/presentationml/2006/main">
+  <p:cSld>
+    <p:spTree>
+      <p:nvGrpSpPr>
+        <p:cNvPr id="1" name=""/>
+        <p:cNvGrpSpPr/>
+        <p:nvPr/>
+      </p:nvGrpSpPr>
+      <p:grpSpPr>
+        <a:xfrm>
+          <a:off x="0" y="0"/>
+          <a:ext cx="0" cy="0"/>
+          <a:chOff x="0" y="0"/>
+          <a:chExt cx="0" cy="0"/>
+        </a:xfrm>
+      </p:grpSpPr>
+      <p:sp>
+        <p:nvSpPr>
+          <p:cNvPr id="8" name="Shape 2099"/>
+          <p:cNvSpPr txBox="1">
+            <a:spLocks noGrp="1"/>
+          </p:cNvSpPr>
+          <p:nvPr>
+            <p:ph type="title"/>
+          </p:nvPr>
+        </p:nvSpPr>
+        <p:spPr>
+          <a:xfrm>
+            <a:off x="1515658" y="463201"/>
+            <a:ext cx="6172200" cy="687979"/>
+          </a:xfrm>
+          <a:prstGeom prst="rect">
+            <a:avLst/>
+          </a:prstGeom>
+        </p:spPr>
+        <p:txBody>
+          <a:bodyPr lIns="68569" tIns="68569" rIns="68569" bIns="68569" anchor="b" anchorCtr="0">
+            <a:noAutofit/>
+          </a:bodyPr>
+          <a:lstStyle/>
+          <a:p>
+            <a:r>
+              <a:rPr lang="en" sz="4800" dirty="0"/>
+              <a:t>Future plans</a:t>
+            </a:r>
+          </a:p>
+        </p:txBody>
+      </p:sp>
+      <p:sp>
+        <p:nvSpPr>
+          <p:cNvPr id="3" name="Text Placeholder 2"/>
+          <p:cNvSpPr>
+            <a:spLocks noGrp="1"/>
+          </p:cNvSpPr>
+          <p:nvPr>
+            <p:ph type="body" idx="1"/>
+          </p:nvPr>
+        </p:nvSpPr>
+        <p:spPr>
+          <a:xfrm>
+            <a:off x="486958" y="2562484"/>
+            <a:ext cx="8229600" cy="938256"/>
+          </a:xfrm>
+        </p:spPr>
+        <p:txBody>
+          <a:bodyPr/>
+          <a:lstStyle/>
+          <a:p>
+            <a:r>
+              <a:rPr lang="vi-VN" sz="2800" dirty="0">
+                <a:latin typeface="Cambria" charset="0"/>
+                <a:ea typeface="Cambria" charset="0"/>
+                <a:cs typeface="Cambria" charset="0"/>
+              </a:rPr>
+              <a:t>Supporting blind people fully use application.</a:t>
+            </a:r>
+            <a:endParaRPr lang="en-US" sz="2800" dirty="0">
+              <a:latin typeface="Cambria" charset="0"/>
+              <a:ea typeface="Cambria" charset="0"/>
+              <a:cs typeface="Cambria" charset="0"/>
+            </a:endParaRPr>
+          </a:p>
+          <a:p>
+            <a:endParaRPr lang="en-US" dirty="0"/>
+          </a:p>
+        </p:txBody>
+      </p:sp>
+      <p:sp>
+        <p:nvSpPr>
+          <p:cNvPr id="4" name="Slide Number Placeholder 3"/>
+          <p:cNvSpPr>
+            <a:spLocks noGrp="1"/>
+          </p:cNvSpPr>
+          <p:nvPr>
+            <p:ph type="sldNum" idx="12"/>
+          </p:nvPr>
+        </p:nvSpPr>
+        <p:spPr/>
+        <p:txBody>
+          <a:bodyPr/>
+          <a:lstStyle/>
+          <a:p>
+            <a:fld id="{00000000-1234-1234-1234-123412341234}" type="slidenum">
+              <a:rPr lang="en" smtClean="0"/>
+              <a:pPr/>
+              <a:t>4</a:t>
+            </a:fld>
+            <a:endParaRPr lang="en"/>
+          </a:p>
+        </p:txBody>
+      </p:sp>
+      <p:sp>
+        <p:nvSpPr>
+          <p:cNvPr id="9" name="Shape 81"/>
+          <p:cNvSpPr/>
+          <p:nvPr/>
+        </p:nvSpPr>
+        <p:spPr>
+          <a:xfrm>
+            <a:off x="252129" y="1747686"/>
+            <a:ext cx="666900" cy="666900"/>
+          </a:xfrm>
+          <a:prstGeom prst="ellipse">
+            <a:avLst/>
+          </a:prstGeom>
+          <a:solidFill>
+            <a:schemeClr val="lt2"/>
+          </a:solidFill>
+          <a:ln w="19050" cap="flat" cmpd="sng">
+            <a:solidFill>
+              <a:schemeClr val="dk2"/>
+            </a:solidFill>
+            <a:prstDash val="solid"/>
+            <a:round/>
+            <a:headEnd type="none" w="med" len="med"/>
+            <a:tailEnd type="none" w="med" len="med"/>
+          </a:ln>
+        </p:spPr>
+        <p:txBody>
+          <a:bodyPr lIns="68569" tIns="68569" rIns="68569" bIns="68569" anchor="ctr" anchorCtr="0">
+            <a:noAutofit/>
+          </a:bodyPr>
+          <a:lstStyle/>
+          <a:p>
+            <a:pPr algn="ctr"/>
+            <a:r>
+              <a:rPr lang="en-US" sz="2250" b="1" dirty="0" smtClean="0"/>
+              <a:t>1</a:t>
+            </a:r>
+            <a:endParaRPr lang="en" sz="2250" b="1" dirty="0"/>
+          </a:p>
+        </p:txBody>
+      </p:sp>
+      <p:sp>
+        <p:nvSpPr>
+          <p:cNvPr id="10" name="Shape 81"/>
+          <p:cNvSpPr/>
+          <p:nvPr/>
+        </p:nvSpPr>
+        <p:spPr>
+          <a:xfrm>
+            <a:off x="1369729" y="1747686"/>
+            <a:ext cx="666900" cy="666900"/>
+          </a:xfrm>
+          <a:prstGeom prst="ellipse">
+            <a:avLst/>
+          </a:prstGeom>
+          <a:solidFill>
+            <a:schemeClr val="lt2"/>
+          </a:solidFill>
+          <a:ln w="19050" cap="flat" cmpd="sng">
+            <a:solidFill>
+              <a:schemeClr val="dk2"/>
+            </a:solidFill>
+            <a:prstDash val="solid"/>
+            <a:round/>
+            <a:headEnd type="none" w="med" len="med"/>
+            <a:tailEnd type="none" w="med" len="med"/>
+          </a:ln>
+        </p:spPr>
+        <p:txBody>
+          <a:bodyPr lIns="68569" tIns="68569" rIns="68569" bIns="68569" anchor="ctr" anchorCtr="0">
+            <a:noAutofit/>
+          </a:bodyPr>
+          <a:lstStyle/>
+          <a:p>
+            <a:pPr algn="ctr"/>
+            <a:r>
+              <a:rPr lang="en-US" sz="2250" b="1" dirty="0" smtClean="0"/>
+              <a:t>2</a:t>
+            </a:r>
+            <a:endParaRPr lang="en" sz="2250" b="1" dirty="0"/>
+          </a:p>
+        </p:txBody>
+      </p:sp>
+      <p:pic>
+        <p:nvPicPr>
+          <p:cNvPr id="2" name="Picture 1"/>
+          <p:cNvPicPr>
+            <a:picLocks noChangeAspect="1"/>
+          </p:cNvPicPr>
+          <p:nvPr/>
+        </p:nvPicPr>
+        <p:blipFill>
+          <a:blip r:embed="rId3">
+            <a:extLst>
+              <a:ext uri="{28A0092B-C50C-407E-A947-70E740481C1C}">
+                <a14:useLocalDpi xmlns:a14="http://schemas.microsoft.com/office/drawing/2010/main" val="0"/>
+              </a:ext>
+            </a:extLst>
+          </a:blip>
+          <a:stretch>
+            <a:fillRect/>
+          </a:stretch>
+        </p:blipFill>
+        <p:spPr>
+          <a:xfrm>
+            <a:off x="1703179" y="3587566"/>
+            <a:ext cx="2136707" cy="2947182"/>
+          </a:xfrm>
+          <a:prstGeom prst="rect">
+            <a:avLst/>
+          </a:prstGeom>
+        </p:spPr>
+      </p:pic>
+      <p:sp>
+        <p:nvSpPr>
+          <p:cNvPr id="5" name="Rectangle 4"/>
+          <p:cNvSpPr/>
+          <p:nvPr/>
+        </p:nvSpPr>
+        <p:spPr>
+          <a:xfrm>
+            <a:off x="6270354" y="3500740"/>
+            <a:ext cx="2067951" cy="3034008"/>
+          </a:xfrm>
+          <a:prstGeom prst="rect">
+            <a:avLst/>
+          </a:prstGeom>
+          <a:solidFill>
+            <a:schemeClr val="bg1"/>
+          </a:solidFill>
+          <a:ln w="38100">
+            <a:solidFill>
+              <a:srgbClr val="00B0F0"/>
+            </a:solidFill>
+          </a:ln>
+        </p:spPr>
+        <p:style>
+          <a:lnRef idx="2">
+            <a:schemeClr val="accent1">
+              <a:shade val="50000"/>
+            </a:schemeClr>
+          </a:lnRef>
+          <a:fillRef idx="1">
+            <a:schemeClr val="accent1"/>
+          </a:fillRef>
+          <a:effectRef idx="0">
+            <a:schemeClr val="accent1"/>
+          </a:effectRef>
+          <a:fontRef idx="minor">
+            <a:schemeClr val="lt1"/>
+          </a:fontRef>
+        </p:style>
+        <p:txBody>
+          <a:bodyPr rtlCol="0" anchor="ctr"/>
+          <a:lstStyle/>
+          <a:p>
+            <a:pPr algn="ctr"/>
+            <a:endParaRPr lang="en-US"/>
+          </a:p>
+        </p:txBody>
+      </p:sp>
+      <p:sp>
+        <p:nvSpPr>
+          <p:cNvPr id="13" name="Left Arrow 12"/>
+          <p:cNvSpPr/>
+          <p:nvPr/>
+        </p:nvSpPr>
+        <p:spPr>
+          <a:xfrm>
+            <a:off x="4006935" y="5719157"/>
+            <a:ext cx="2044931" cy="282633"/>
+          </a:xfrm>
+          <a:prstGeom prst="leftArrow">
+            <a:avLst/>
+          </a:prstGeom>
+          <a:solidFill>
+            <a:srgbClr val="FF0000"/>
+          </a:solidFill>
+          <a:ln>
+            <a:solidFill>
+              <a:srgbClr val="FF0000"/>
+            </a:solidFill>
+          </a:ln>
+        </p:spPr>
+        <p:style>
+          <a:lnRef idx="2">
+            <a:schemeClr val="accent1">
+              <a:shade val="50000"/>
+            </a:schemeClr>
+          </a:lnRef>
+          <a:fillRef idx="1">
+            <a:schemeClr val="accent1"/>
+          </a:fillRef>
+          <a:effectRef idx="0">
+            <a:schemeClr val="accent1"/>
+          </a:effectRef>
+          <a:fontRef idx="minor">
+            <a:schemeClr val="lt1"/>
+          </a:fontRef>
+        </p:style>
+        <p:txBody>
+          <a:bodyPr rtlCol="0" anchor="ctr"/>
+          <a:lstStyle/>
+          <a:p>
+            <a:pPr algn="ctr"/>
+            <a:endParaRPr lang="en-US"/>
+          </a:p>
+        </p:txBody>
+      </p:sp>
+      <p:sp>
+        <p:nvSpPr>
+          <p:cNvPr id="14" name="TextBox 13"/>
+          <p:cNvSpPr txBox="1"/>
+          <p:nvPr/>
+        </p:nvSpPr>
+        <p:spPr>
+          <a:xfrm>
+            <a:off x="4058374" y="5349825"/>
+            <a:ext cx="2043060" cy="400110"/>
+          </a:xfrm>
+          <a:prstGeom prst="rect">
+            <a:avLst/>
+          </a:prstGeom>
+          <a:noFill/>
+        </p:spPr>
+        <p:txBody>
+          <a:bodyPr wrap="none" rtlCol="0">
+            <a:spAutoFit/>
+          </a:bodyPr>
+          <a:lstStyle/>
+          <a:p>
+            <a:r>
+              <a:rPr lang="vi-VN" sz="2000" b="1" dirty="0" smtClean="0"/>
+              <a:t>Text To Speech</a:t>
+            </a:r>
+            <a:endParaRPr lang="en-US" sz="2000" b="1" dirty="0"/>
+          </a:p>
+        </p:txBody>
+      </p:sp>
+    </p:spTree>
+    <p:extLst>
+      <p:ext uri="{BB962C8B-B14F-4D97-AF65-F5344CB8AC3E}">
+        <p14:creationId xmlns:p14="http://schemas.microsoft.com/office/powerpoint/2010/main" val="1944542944"/>
+      </p:ext>
+    </p:extLst>
+  </p:cSld>
+  <p:clrMapOvr>
+    <a:masterClrMapping/>
+  </p:clrMapOvr>
+</p:sld>
+</file>
+
+<file path=ppt/slides/slide5.xml><?xml version="1.0" encoding="utf-8"?>
+<p:sld xmlns:a="http://schemas.openxmlformats.org/drawingml/2006/main" xmlns:r="http://schemas.openxmlformats.org/officeDocument/2006/relationships" xmlns:p="http://schemas.openxmlformats.org/presentationml/2006/main">
+  <p:cSld>
+    <p:spTree>
+      <p:nvGrpSpPr>
+        <p:cNvPr id="1" name=""/>
+        <p:cNvGrpSpPr/>
+        <p:nvPr/>
+      </p:nvGrpSpPr>
+      <p:grpSpPr>
+        <a:xfrm>
+          <a:off x="0" y="0"/>
+          <a:ext cx="0" cy="0"/>
+          <a:chOff x="0" y="0"/>
+          <a:chExt cx="0" cy="0"/>
+        </a:xfrm>
+      </p:grpSpPr>
+      <p:sp>
+        <p:nvSpPr>
+          <p:cNvPr id="8" name="Shape 2099"/>
+          <p:cNvSpPr txBox="1">
+            <a:spLocks noGrp="1"/>
+          </p:cNvSpPr>
+          <p:nvPr>
+            <p:ph type="title"/>
+          </p:nvPr>
+        </p:nvSpPr>
+        <p:spPr>
+          <a:xfrm>
+            <a:off x="1515658" y="463201"/>
+            <a:ext cx="6172200" cy="687979"/>
+          </a:xfrm>
+          <a:prstGeom prst="rect">
+            <a:avLst/>
+          </a:prstGeom>
+        </p:spPr>
+        <p:txBody>
+          <a:bodyPr lIns="68569" tIns="68569" rIns="68569" bIns="68569" anchor="b" anchorCtr="0">
+            <a:noAutofit/>
+          </a:bodyPr>
+          <a:lstStyle/>
+          <a:p>
+            <a:r>
+              <a:rPr lang="en" sz="4800" dirty="0"/>
+              <a:t>Future plans</a:t>
+            </a:r>
+          </a:p>
+        </p:txBody>
+      </p:sp>
+      <p:sp>
+        <p:nvSpPr>
+          <p:cNvPr id="3" name="Text Placeholder 2"/>
+          <p:cNvSpPr>
+            <a:spLocks noGrp="1"/>
+          </p:cNvSpPr>
+          <p:nvPr>
+            <p:ph type="body" idx="1"/>
+          </p:nvPr>
+        </p:nvSpPr>
+        <p:spPr>
+          <a:xfrm>
+            <a:off x="486958" y="2562484"/>
+            <a:ext cx="8229600" cy="938256"/>
+          </a:xfrm>
+        </p:spPr>
+        <p:txBody>
+          <a:bodyPr/>
+          <a:lstStyle/>
+          <a:p>
+            <a:r>
+              <a:rPr lang="vi-VN" sz="2800" dirty="0">
+                <a:latin typeface="Cambria" charset="0"/>
+                <a:ea typeface="Cambria" charset="0"/>
+                <a:cs typeface="Cambria" charset="0"/>
+              </a:rPr>
+              <a:t>Supporting blind people fully use application.</a:t>
+            </a:r>
+            <a:endParaRPr lang="en-US" sz="2800" dirty="0">
+              <a:latin typeface="Cambria" charset="0"/>
+              <a:ea typeface="Cambria" charset="0"/>
+              <a:cs typeface="Cambria" charset="0"/>
+            </a:endParaRPr>
+          </a:p>
+          <a:p>
+            <a:endParaRPr lang="en-US" dirty="0"/>
+          </a:p>
+        </p:txBody>
+      </p:sp>
+      <p:sp>
+        <p:nvSpPr>
+          <p:cNvPr id="4" name="Slide Number Placeholder 3"/>
+          <p:cNvSpPr>
+            <a:spLocks noGrp="1"/>
+          </p:cNvSpPr>
+          <p:nvPr>
+            <p:ph type="sldNum" idx="12"/>
+          </p:nvPr>
+        </p:nvSpPr>
+        <p:spPr/>
+        <p:txBody>
+          <a:bodyPr/>
+          <a:lstStyle/>
+          <a:p>
+            <a:fld id="{00000000-1234-1234-1234-123412341234}" type="slidenum">
+              <a:rPr lang="en" smtClean="0"/>
+              <a:pPr/>
+              <a:t>5</a:t>
+            </a:fld>
+            <a:endParaRPr lang="en"/>
+          </a:p>
+        </p:txBody>
+      </p:sp>
+      <p:sp>
+        <p:nvSpPr>
+          <p:cNvPr id="9" name="Shape 81"/>
+          <p:cNvSpPr/>
+          <p:nvPr/>
+        </p:nvSpPr>
+        <p:spPr>
+          <a:xfrm>
+            <a:off x="252129" y="1747686"/>
+            <a:ext cx="666900" cy="666900"/>
+          </a:xfrm>
+          <a:prstGeom prst="ellipse">
+            <a:avLst/>
+          </a:prstGeom>
+          <a:solidFill>
+            <a:schemeClr val="lt2"/>
+          </a:solidFill>
+          <a:ln w="19050" cap="flat" cmpd="sng">
+            <a:solidFill>
+              <a:schemeClr val="dk2"/>
+            </a:solidFill>
+            <a:prstDash val="solid"/>
+            <a:round/>
+            <a:headEnd type="none" w="med" len="med"/>
+            <a:tailEnd type="none" w="med" len="med"/>
+          </a:ln>
+        </p:spPr>
+        <p:txBody>
+          <a:bodyPr lIns="68569" tIns="68569" rIns="68569" bIns="68569" anchor="ctr" anchorCtr="0">
+            <a:noAutofit/>
+          </a:bodyPr>
+          <a:lstStyle/>
+          <a:p>
+            <a:pPr algn="ctr"/>
+            <a:r>
+              <a:rPr lang="en-US" sz="2250" b="1" dirty="0" smtClean="0"/>
+              <a:t>1</a:t>
+            </a:r>
+            <a:endParaRPr lang="en" sz="2250" b="1" dirty="0"/>
+          </a:p>
+        </p:txBody>
+      </p:sp>
+      <p:sp>
+        <p:nvSpPr>
+          <p:cNvPr id="10" name="Shape 81"/>
+          <p:cNvSpPr/>
+          <p:nvPr/>
+        </p:nvSpPr>
+        <p:spPr>
+          <a:xfrm>
+            <a:off x="1369729" y="1747686"/>
+            <a:ext cx="666900" cy="666900"/>
+          </a:xfrm>
+          <a:prstGeom prst="ellipse">
+            <a:avLst/>
+          </a:prstGeom>
+          <a:solidFill>
+            <a:schemeClr val="lt2"/>
+          </a:solidFill>
+          <a:ln w="19050" cap="flat" cmpd="sng">
+            <a:solidFill>
+              <a:schemeClr val="dk2"/>
+            </a:solidFill>
+            <a:prstDash val="solid"/>
+            <a:round/>
+            <a:headEnd type="none" w="med" len="med"/>
+            <a:tailEnd type="none" w="med" len="med"/>
+          </a:ln>
+        </p:spPr>
+        <p:txBody>
+          <a:bodyPr lIns="68569" tIns="68569" rIns="68569" bIns="68569" anchor="ctr" anchorCtr="0">
+            <a:noAutofit/>
+          </a:bodyPr>
+          <a:lstStyle/>
+          <a:p>
+            <a:pPr algn="ctr"/>
+            <a:r>
+              <a:rPr lang="en-US" sz="2250" b="1" dirty="0" smtClean="0"/>
+              <a:t>2</a:t>
+            </a:r>
+            <a:endParaRPr lang="en" sz="2250" b="1" dirty="0"/>
+          </a:p>
+        </p:txBody>
+      </p:sp>
+      <p:pic>
+        <p:nvPicPr>
+          <p:cNvPr id="2" name="Picture 1"/>
+          <p:cNvPicPr>
+            <a:picLocks noChangeAspect="1"/>
+          </p:cNvPicPr>
+          <p:nvPr/>
+        </p:nvPicPr>
+        <p:blipFill>
+          <a:blip r:embed="rId3">
+            <a:extLst>
+              <a:ext uri="{28A0092B-C50C-407E-A947-70E740481C1C}">
+                <a14:useLocalDpi xmlns:a14="http://schemas.microsoft.com/office/drawing/2010/main" val="0"/>
+              </a:ext>
+            </a:extLst>
+          </a:blip>
+          <a:stretch>
+            <a:fillRect/>
+          </a:stretch>
+        </p:blipFill>
+        <p:spPr>
+          <a:xfrm>
+            <a:off x="1703179" y="3587566"/>
+            <a:ext cx="2136707" cy="2947182"/>
+          </a:xfrm>
+          <a:prstGeom prst="rect">
+            <a:avLst/>
+          </a:prstGeom>
+        </p:spPr>
+      </p:pic>
+      <p:sp>
+        <p:nvSpPr>
+          <p:cNvPr id="5" name="Rectangle 4"/>
+          <p:cNvSpPr/>
+          <p:nvPr/>
+        </p:nvSpPr>
+        <p:spPr>
+          <a:xfrm>
+            <a:off x="6270354" y="3500740"/>
+            <a:ext cx="2067951" cy="3034008"/>
+          </a:xfrm>
+          <a:prstGeom prst="rect">
+            <a:avLst/>
+          </a:prstGeom>
+          <a:solidFill>
+            <a:schemeClr val="bg1"/>
+          </a:solidFill>
+          <a:ln w="38100">
+            <a:solidFill>
+              <a:srgbClr val="00B0F0"/>
+            </a:solidFill>
+          </a:ln>
+        </p:spPr>
+        <p:style>
+          <a:lnRef idx="2">
+            <a:schemeClr val="accent1">
+              <a:shade val="50000"/>
+            </a:schemeClr>
+          </a:lnRef>
+          <a:fillRef idx="1">
+            <a:schemeClr val="accent1"/>
+          </a:fillRef>
+          <a:effectRef idx="0">
+            <a:schemeClr val="accent1"/>
+          </a:effectRef>
+          <a:fontRef idx="minor">
+            <a:schemeClr val="lt1"/>
+          </a:fontRef>
+        </p:style>
+        <p:txBody>
+          <a:bodyPr rtlCol="0" anchor="ctr"/>
+          <a:lstStyle/>
+          <a:p>
+            <a:pPr algn="ctr"/>
+            <a:endParaRPr lang="en-US"/>
+          </a:p>
+        </p:txBody>
+      </p:sp>
+      <p:sp>
+        <p:nvSpPr>
+          <p:cNvPr id="13" name="Left Arrow 12"/>
+          <p:cNvSpPr/>
+          <p:nvPr/>
+        </p:nvSpPr>
+        <p:spPr>
+          <a:xfrm>
+            <a:off x="4006935" y="5719157"/>
+            <a:ext cx="2044931" cy="282633"/>
+          </a:xfrm>
+          <a:prstGeom prst="leftArrow">
+            <a:avLst/>
+          </a:prstGeom>
+          <a:solidFill>
+            <a:srgbClr val="FF0000"/>
+          </a:solidFill>
+          <a:ln>
+            <a:solidFill>
+              <a:srgbClr val="FF0000"/>
+            </a:solidFill>
+          </a:ln>
+        </p:spPr>
+        <p:style>
+          <a:lnRef idx="2">
+            <a:schemeClr val="accent1">
+              <a:shade val="50000"/>
+            </a:schemeClr>
+          </a:lnRef>
+          <a:fillRef idx="1">
+            <a:schemeClr val="accent1"/>
+          </a:fillRef>
+          <a:effectRef idx="0">
+            <a:schemeClr val="accent1"/>
+          </a:effectRef>
+          <a:fontRef idx="minor">
+            <a:schemeClr val="lt1"/>
+          </a:fontRef>
+        </p:style>
+        <p:txBody>
+          <a:bodyPr rtlCol="0" anchor="ctr"/>
+          <a:lstStyle/>
+          <a:p>
+            <a:pPr algn="ctr"/>
+            <a:endParaRPr lang="en-US"/>
+          </a:p>
+        </p:txBody>
+      </p:sp>
+      <p:sp>
+        <p:nvSpPr>
+          <p:cNvPr id="14" name="TextBox 13"/>
+          <p:cNvSpPr txBox="1"/>
+          <p:nvPr/>
+        </p:nvSpPr>
+        <p:spPr>
+          <a:xfrm>
+            <a:off x="4058374" y="5349825"/>
+            <a:ext cx="2043060" cy="400110"/>
+          </a:xfrm>
+          <a:prstGeom prst="rect">
+            <a:avLst/>
+          </a:prstGeom>
+          <a:noFill/>
+        </p:spPr>
+        <p:txBody>
+          <a:bodyPr wrap="none" rtlCol="0">
+            <a:spAutoFit/>
+          </a:bodyPr>
+          <a:lstStyle/>
+          <a:p>
+            <a:r>
+              <a:rPr lang="vi-VN" sz="2000" b="1" dirty="0" smtClean="0"/>
+              <a:t>Text To Speech</a:t>
+            </a:r>
+            <a:endParaRPr lang="en-US" sz="2000" b="1" dirty="0"/>
+          </a:p>
+        </p:txBody>
+      </p:sp>
+      <p:sp>
+        <p:nvSpPr>
+          <p:cNvPr id="6" name="Right Arrow 5"/>
+          <p:cNvSpPr/>
+          <p:nvPr/>
+        </p:nvSpPr>
+        <p:spPr>
+          <a:xfrm>
+            <a:off x="4006935" y="4156364"/>
+            <a:ext cx="2044931" cy="349134"/>
+          </a:xfrm>
+          <a:prstGeom prst="rightArrow">
+            <a:avLst/>
+          </a:prstGeom>
+          <a:solidFill>
+            <a:srgbClr val="FF0000"/>
+          </a:solidFill>
+          <a:ln>
+            <a:solidFill>
+              <a:srgbClr val="FF0000"/>
+            </a:solidFill>
+          </a:ln>
+        </p:spPr>
+        <p:style>
+          <a:lnRef idx="2">
+            <a:schemeClr val="accent1">
+              <a:shade val="50000"/>
+            </a:schemeClr>
+          </a:lnRef>
+          <a:fillRef idx="1">
+            <a:schemeClr val="accent1"/>
+          </a:fillRef>
+          <a:effectRef idx="0">
+            <a:schemeClr val="accent1"/>
+          </a:effectRef>
+          <a:fontRef idx="minor">
+            <a:schemeClr val="lt1"/>
+          </a:fontRef>
+        </p:style>
+        <p:txBody>
+          <a:bodyPr rtlCol="0" anchor="ctr"/>
+          <a:lstStyle/>
+          <a:p>
+            <a:pPr algn="ctr"/>
+            <a:endParaRPr lang="en-US"/>
+          </a:p>
+        </p:txBody>
+      </p:sp>
+      <p:sp>
+        <p:nvSpPr>
+          <p:cNvPr id="7" name="TextBox 6"/>
+          <p:cNvSpPr txBox="1"/>
+          <p:nvPr/>
+        </p:nvSpPr>
+        <p:spPr>
+          <a:xfrm>
+            <a:off x="3849041" y="3783413"/>
+            <a:ext cx="2043060" cy="400110"/>
+          </a:xfrm>
+          <a:prstGeom prst="rect">
+            <a:avLst/>
+          </a:prstGeom>
+          <a:noFill/>
+        </p:spPr>
+        <p:txBody>
+          <a:bodyPr wrap="none" rtlCol="0">
+            <a:spAutoFit/>
+          </a:bodyPr>
+          <a:lstStyle/>
+          <a:p>
+            <a:r>
+              <a:rPr lang="vi-VN" sz="2000" b="1" dirty="0" smtClean="0"/>
+              <a:t>Speech To Text</a:t>
+            </a:r>
+            <a:endParaRPr lang="en-US" sz="2000" b="1" dirty="0"/>
+          </a:p>
+        </p:txBody>
+      </p:sp>
+    </p:spTree>
+    <p:extLst>
+      <p:ext uri="{BB962C8B-B14F-4D97-AF65-F5344CB8AC3E}">
+        <p14:creationId xmlns:p14="http://schemas.microsoft.com/office/powerpoint/2010/main" val="2118106157"/>
+      </p:ext>
+    </p:extLst>
+  </p:cSld>
+  <p:clrMapOvr>
+    <a:masterClrMapping/>
+  </p:clrMapOvr>
+</p:sld>
+</file>
+
+<file path=ppt/slides/slide6.xml><?xml version="1.0" encoding="utf-8"?>
+<p:sld xmlns:a="http://schemas.openxmlformats.org/drawingml/2006/main" xmlns:r="http://schemas.openxmlformats.org/officeDocument/2006/relationships" xmlns:p="http://schemas.openxmlformats.org/presentationml/2006/main">
+  <p:cSld>
+    <p:spTree>
+      <p:nvGrpSpPr>
+        <p:cNvPr id="1" name=""/>
+        <p:cNvGrpSpPr/>
+        <p:nvPr/>
+      </p:nvGrpSpPr>
+      <p:grpSpPr>
+        <a:xfrm>
+          <a:off x="0" y="0"/>
+          <a:ext cx="0" cy="0"/>
+          <a:chOff x="0" y="0"/>
+          <a:chExt cx="0" cy="0"/>
+        </a:xfrm>
+      </p:grpSpPr>
+      <p:sp>
+        <p:nvSpPr>
+          <p:cNvPr id="8" name="Shape 2099"/>
+          <p:cNvSpPr txBox="1">
+            <a:spLocks noGrp="1"/>
+          </p:cNvSpPr>
+          <p:nvPr>
+            <p:ph type="title"/>
+          </p:nvPr>
+        </p:nvSpPr>
+        <p:spPr>
+          <a:xfrm>
+            <a:off x="1515658" y="463201"/>
+            <a:ext cx="6172200" cy="687979"/>
+          </a:xfrm>
+          <a:prstGeom prst="rect">
+            <a:avLst/>
+          </a:prstGeom>
+        </p:spPr>
+        <p:txBody>
+          <a:bodyPr lIns="68569" tIns="68569" rIns="68569" bIns="68569" anchor="b" anchorCtr="0">
+            <a:noAutofit/>
+          </a:bodyPr>
+          <a:lstStyle/>
+          <a:p>
+            <a:r>
+              <a:rPr lang="en" sz="4800" dirty="0"/>
+              <a:t>Future plans</a:t>
+            </a:r>
+          </a:p>
+        </p:txBody>
+      </p:sp>
+      <p:sp>
+        <p:nvSpPr>
+          <p:cNvPr id="3" name="Text Placeholder 2"/>
+          <p:cNvSpPr>
+            <a:spLocks noGrp="1"/>
+          </p:cNvSpPr>
+          <p:nvPr>
+            <p:ph type="body" idx="1"/>
+          </p:nvPr>
+        </p:nvSpPr>
+        <p:spPr>
+          <a:xfrm>
+            <a:off x="486958" y="2562484"/>
+            <a:ext cx="8229600" cy="938256"/>
+          </a:xfrm>
+        </p:spPr>
+        <p:txBody>
+          <a:bodyPr/>
+          <a:lstStyle/>
+          <a:p>
+            <a:r>
+              <a:rPr lang="vi-VN" sz="2800" dirty="0">
+                <a:latin typeface="Cambria" charset="0"/>
+                <a:ea typeface="Cambria" charset="0"/>
+                <a:cs typeface="Cambria" charset="0"/>
+              </a:rPr>
+              <a:t>Supporting blind people fully use application.</a:t>
+            </a:r>
+            <a:endParaRPr lang="en-US" sz="2800" dirty="0">
+              <a:latin typeface="Cambria" charset="0"/>
+              <a:ea typeface="Cambria" charset="0"/>
+              <a:cs typeface="Cambria" charset="0"/>
+            </a:endParaRPr>
+          </a:p>
+          <a:p>
+            <a:endParaRPr lang="en-US" dirty="0"/>
+          </a:p>
+        </p:txBody>
+      </p:sp>
+      <p:sp>
+        <p:nvSpPr>
+          <p:cNvPr id="4" name="Slide Number Placeholder 3"/>
+          <p:cNvSpPr>
+            <a:spLocks noGrp="1"/>
+          </p:cNvSpPr>
+          <p:nvPr>
+            <p:ph type="sldNum" idx="12"/>
+          </p:nvPr>
+        </p:nvSpPr>
+        <p:spPr/>
+        <p:txBody>
+          <a:bodyPr/>
+          <a:lstStyle/>
+          <a:p>
+            <a:fld id="{00000000-1234-1234-1234-123412341234}" type="slidenum">
+              <a:rPr lang="en" smtClean="0"/>
+              <a:pPr/>
+              <a:t>6</a:t>
+            </a:fld>
+            <a:endParaRPr lang="en"/>
+          </a:p>
+        </p:txBody>
+      </p:sp>
+      <p:sp>
+        <p:nvSpPr>
+          <p:cNvPr id="9" name="Shape 81"/>
+          <p:cNvSpPr/>
+          <p:nvPr/>
+        </p:nvSpPr>
+        <p:spPr>
+          <a:xfrm>
+            <a:off x="252129" y="1747686"/>
+            <a:ext cx="666900" cy="666900"/>
+          </a:xfrm>
+          <a:prstGeom prst="ellipse">
+            <a:avLst/>
+          </a:prstGeom>
+          <a:solidFill>
+            <a:schemeClr val="lt2"/>
+          </a:solidFill>
+          <a:ln w="19050" cap="flat" cmpd="sng">
+            <a:solidFill>
+              <a:schemeClr val="dk2"/>
+            </a:solidFill>
+            <a:prstDash val="solid"/>
+            <a:round/>
+            <a:headEnd type="none" w="med" len="med"/>
+            <a:tailEnd type="none" w="med" len="med"/>
+          </a:ln>
+        </p:spPr>
+        <p:txBody>
+          <a:bodyPr lIns="68569" tIns="68569" rIns="68569" bIns="68569" anchor="ctr" anchorCtr="0">
+            <a:noAutofit/>
+          </a:bodyPr>
+          <a:lstStyle/>
+          <a:p>
+            <a:pPr algn="ctr"/>
+            <a:r>
+              <a:rPr lang="en-US" sz="2250" b="1" dirty="0" smtClean="0"/>
+              <a:t>1</a:t>
+            </a:r>
+            <a:endParaRPr lang="en" sz="2250" b="1" dirty="0"/>
+          </a:p>
+        </p:txBody>
+      </p:sp>
+      <p:sp>
+        <p:nvSpPr>
+          <p:cNvPr id="10" name="Shape 81"/>
+          <p:cNvSpPr/>
+          <p:nvPr/>
+        </p:nvSpPr>
+        <p:spPr>
+          <a:xfrm>
+            <a:off x="1369729" y="1747686"/>
+            <a:ext cx="666900" cy="666900"/>
+          </a:xfrm>
+          <a:prstGeom prst="ellipse">
+            <a:avLst/>
+          </a:prstGeom>
+          <a:solidFill>
+            <a:schemeClr val="lt2"/>
+          </a:solidFill>
+          <a:ln w="19050" cap="flat" cmpd="sng">
+            <a:solidFill>
+              <a:schemeClr val="dk2"/>
+            </a:solidFill>
+            <a:prstDash val="solid"/>
+            <a:round/>
+            <a:headEnd type="none" w="med" len="med"/>
+            <a:tailEnd type="none" w="med" len="med"/>
+          </a:ln>
+        </p:spPr>
+        <p:txBody>
+          <a:bodyPr lIns="68569" tIns="68569" rIns="68569" bIns="68569" anchor="ctr" anchorCtr="0">
+            <a:noAutofit/>
+          </a:bodyPr>
+          <a:lstStyle/>
+          <a:p>
+            <a:pPr algn="ctr"/>
+            <a:r>
+              <a:rPr lang="en-US" sz="2250" b="1" dirty="0" smtClean="0"/>
+              <a:t>2</a:t>
+            </a:r>
+            <a:endParaRPr lang="en" sz="2250" b="1" dirty="0"/>
+          </a:p>
+        </p:txBody>
+      </p:sp>
+      <p:pic>
+        <p:nvPicPr>
+          <p:cNvPr id="2" name="Picture 1"/>
+          <p:cNvPicPr>
+            <a:picLocks noChangeAspect="1"/>
+          </p:cNvPicPr>
+          <p:nvPr/>
+        </p:nvPicPr>
+        <p:blipFill>
+          <a:blip r:embed="rId3">
+            <a:extLst>
+              <a:ext uri="{28A0092B-C50C-407E-A947-70E740481C1C}">
+                <a14:useLocalDpi xmlns:a14="http://schemas.microsoft.com/office/drawing/2010/main" val="0"/>
+              </a:ext>
+            </a:extLst>
+          </a:blip>
+          <a:stretch>
+            <a:fillRect/>
+          </a:stretch>
+        </p:blipFill>
+        <p:spPr>
+          <a:xfrm>
+            <a:off x="1703179" y="3587566"/>
+            <a:ext cx="2136707" cy="2947182"/>
+          </a:xfrm>
+          <a:prstGeom prst="rect">
+            <a:avLst/>
+          </a:prstGeom>
+        </p:spPr>
+      </p:pic>
+      <p:sp>
+        <p:nvSpPr>
+          <p:cNvPr id="5" name="Rectangle 4"/>
+          <p:cNvSpPr/>
+          <p:nvPr/>
+        </p:nvSpPr>
+        <p:spPr>
+          <a:xfrm>
+            <a:off x="6270354" y="3500740"/>
+            <a:ext cx="2455359" cy="3034008"/>
+          </a:xfrm>
+          <a:prstGeom prst="rect">
+            <a:avLst/>
+          </a:prstGeom>
+          <a:solidFill>
+            <a:schemeClr val="bg1"/>
+          </a:solidFill>
+          <a:ln w="38100">
+            <a:solidFill>
+              <a:srgbClr val="00B0F0"/>
+            </a:solidFill>
+          </a:ln>
+        </p:spPr>
+        <p:style>
+          <a:lnRef idx="2">
+            <a:schemeClr val="accent1">
+              <a:shade val="50000"/>
+            </a:schemeClr>
+          </a:lnRef>
+          <a:fillRef idx="1">
+            <a:schemeClr val="accent1"/>
+          </a:fillRef>
+          <a:effectRef idx="0">
+            <a:schemeClr val="accent1"/>
+          </a:effectRef>
+          <a:fontRef idx="minor">
+            <a:schemeClr val="lt1"/>
+          </a:fontRef>
+        </p:style>
+        <p:txBody>
+          <a:bodyPr rtlCol="0" anchor="ctr"/>
+          <a:lstStyle/>
+          <a:p>
+            <a:r>
+              <a:rPr lang="vi-VN" sz="2000" b="1" dirty="0" smtClean="0">
+                <a:solidFill>
+                  <a:schemeClr val="tx1"/>
+                </a:solidFill>
+              </a:rPr>
+              <a:t>1. Đường đi từ nhà tới trường</a:t>
+            </a:r>
+          </a:p>
+          <a:p>
+            <a:endParaRPr lang="vi-VN" sz="2000" b="1" dirty="0" smtClean="0">
+              <a:solidFill>
+                <a:schemeClr val="tx1"/>
+              </a:solidFill>
+            </a:endParaRPr>
+          </a:p>
+          <a:p>
+            <a:r>
+              <a:rPr lang="vi-VN" sz="2000" b="1" dirty="0" smtClean="0">
+                <a:solidFill>
+                  <a:schemeClr val="tx1"/>
+                </a:solidFill>
+              </a:rPr>
+              <a:t>2. Đường đi từ nhà tới nơi học thêm</a:t>
+            </a:r>
+          </a:p>
+        </p:txBody>
+      </p:sp>
+      <p:sp>
+        <p:nvSpPr>
+          <p:cNvPr id="13" name="Left Arrow 12"/>
+          <p:cNvSpPr/>
+          <p:nvPr/>
+        </p:nvSpPr>
+        <p:spPr>
+          <a:xfrm>
+            <a:off x="4006935" y="5719157"/>
+            <a:ext cx="2044931" cy="282633"/>
+          </a:xfrm>
+          <a:prstGeom prst="leftArrow">
+            <a:avLst/>
+          </a:prstGeom>
+          <a:solidFill>
+            <a:srgbClr val="FF0000"/>
+          </a:solidFill>
+          <a:ln>
+            <a:solidFill>
+              <a:srgbClr val="FF0000"/>
+            </a:solidFill>
+          </a:ln>
+        </p:spPr>
+        <p:style>
+          <a:lnRef idx="2">
+            <a:schemeClr val="accent1">
+              <a:shade val="50000"/>
+            </a:schemeClr>
+          </a:lnRef>
+          <a:fillRef idx="1">
+            <a:schemeClr val="accent1"/>
+          </a:fillRef>
+          <a:effectRef idx="0">
+            <a:schemeClr val="accent1"/>
+          </a:effectRef>
+          <a:fontRef idx="minor">
+            <a:schemeClr val="lt1"/>
+          </a:fontRef>
+        </p:style>
+        <p:txBody>
+          <a:bodyPr rtlCol="0" anchor="ctr"/>
+          <a:lstStyle/>
+          <a:p>
+            <a:pPr algn="ctr"/>
+            <a:endParaRPr lang="en-US"/>
+          </a:p>
+        </p:txBody>
+      </p:sp>
+      <p:sp>
+        <p:nvSpPr>
+          <p:cNvPr id="14" name="TextBox 13"/>
+          <p:cNvSpPr txBox="1"/>
+          <p:nvPr/>
+        </p:nvSpPr>
+        <p:spPr>
+          <a:xfrm>
+            <a:off x="4058374" y="5349825"/>
+            <a:ext cx="2043060" cy="400110"/>
+          </a:xfrm>
+          <a:prstGeom prst="rect">
+            <a:avLst/>
+          </a:prstGeom>
+          <a:noFill/>
+        </p:spPr>
+        <p:txBody>
+          <a:bodyPr wrap="none" rtlCol="0">
+            <a:spAutoFit/>
+          </a:bodyPr>
+          <a:lstStyle/>
+          <a:p>
+            <a:r>
+              <a:rPr lang="vi-VN" sz="2000" b="1" dirty="0" smtClean="0"/>
+              <a:t>Text To Speech</a:t>
+            </a:r>
+            <a:endParaRPr lang="en-US" sz="2000" b="1" dirty="0"/>
+          </a:p>
+        </p:txBody>
+      </p:sp>
+      <p:sp>
+        <p:nvSpPr>
+          <p:cNvPr id="6" name="Right Arrow 5"/>
+          <p:cNvSpPr/>
+          <p:nvPr/>
+        </p:nvSpPr>
+        <p:spPr>
+          <a:xfrm>
+            <a:off x="4006935" y="4156364"/>
+            <a:ext cx="2044931" cy="349134"/>
+          </a:xfrm>
+          <a:prstGeom prst="rightArrow">
+            <a:avLst/>
+          </a:prstGeom>
+          <a:solidFill>
+            <a:srgbClr val="FF0000"/>
+          </a:solidFill>
+          <a:ln>
+            <a:solidFill>
+              <a:srgbClr val="FF0000"/>
+            </a:solidFill>
+          </a:ln>
+        </p:spPr>
+        <p:style>
+          <a:lnRef idx="2">
+            <a:schemeClr val="accent1">
+              <a:shade val="50000"/>
+            </a:schemeClr>
+          </a:lnRef>
+          <a:fillRef idx="1">
+            <a:schemeClr val="accent1"/>
+          </a:fillRef>
+          <a:effectRef idx="0">
+            <a:schemeClr val="accent1"/>
+          </a:effectRef>
+          <a:fontRef idx="minor">
+            <a:schemeClr val="lt1"/>
+          </a:fontRef>
+        </p:style>
+        <p:txBody>
+          <a:bodyPr rtlCol="0" anchor="ctr"/>
+          <a:lstStyle/>
+          <a:p>
+            <a:pPr algn="ctr"/>
+            <a:endParaRPr lang="en-US"/>
+          </a:p>
+        </p:txBody>
+      </p:sp>
+      <p:sp>
+        <p:nvSpPr>
+          <p:cNvPr id="7" name="TextBox 6"/>
+          <p:cNvSpPr txBox="1"/>
+          <p:nvPr/>
+        </p:nvSpPr>
+        <p:spPr>
+          <a:xfrm>
+            <a:off x="3849041" y="3783413"/>
+            <a:ext cx="2043060" cy="400110"/>
+          </a:xfrm>
+          <a:prstGeom prst="rect">
+            <a:avLst/>
+          </a:prstGeom>
+          <a:noFill/>
+        </p:spPr>
+        <p:txBody>
+          <a:bodyPr wrap="none" rtlCol="0">
+            <a:spAutoFit/>
+          </a:bodyPr>
+          <a:lstStyle/>
+          <a:p>
+            <a:r>
+              <a:rPr lang="vi-VN" sz="2000" b="1" dirty="0" smtClean="0"/>
+              <a:t>Speech To Text</a:t>
+            </a:r>
+            <a:endParaRPr lang="en-US" sz="2000" b="1" dirty="0"/>
+          </a:p>
+        </p:txBody>
+      </p:sp>
+    </p:spTree>
+    <p:extLst>
+      <p:ext uri="{BB962C8B-B14F-4D97-AF65-F5344CB8AC3E}">
+        <p14:creationId xmlns:p14="http://schemas.microsoft.com/office/powerpoint/2010/main" val="1827277997"/>
+      </p:ext>
+    </p:extLst>
+  </p:cSld>
+  <p:clrMapOvr>
+    <a:masterClrMapping/>
+  </p:clrMapOvr>
+</p:sld>
+</file>
+
+<file path=ppt/slides/slide7.xml><?xml version="1.0" encoding="utf-8"?>
+<p:sld xmlns:a="http://schemas.openxmlformats.org/drawingml/2006/main" xmlns:r="http://schemas.openxmlformats.org/officeDocument/2006/relationships" xmlns:p="http://schemas.openxmlformats.org/presentationml/2006/main">
+  <p:cSld>
+    <p:spTree>
+      <p:nvGrpSpPr>
+        <p:cNvPr id="1" name="Shape 2098"/>
+        <p:cNvGrpSpPr/>
+        <p:nvPr/>
+      </p:nvGrpSpPr>
+      <p:grpSpPr>
+        <a:xfrm>
+          <a:off x="0" y="0"/>
+          <a:ext cx="0" cy="0"/>
+          <a:chOff x="0" y="0"/>
+          <a:chExt cx="0" cy="0"/>
+        </a:xfrm>
+      </p:grpSpPr>
+      <p:sp>
+        <p:nvSpPr>
+          <p:cNvPr id="11" name="Shape 2099"/>
+          <p:cNvSpPr txBox="1">
+            <a:spLocks noGrp="1"/>
+          </p:cNvSpPr>
+          <p:nvPr>
+            <p:ph type="title"/>
+          </p:nvPr>
+        </p:nvSpPr>
+        <p:spPr>
+          <a:xfrm>
+            <a:off x="1515658" y="463201"/>
+            <a:ext cx="6172200" cy="687979"/>
+          </a:xfrm>
+          <a:prstGeom prst="rect">
+            <a:avLst/>
+          </a:prstGeom>
+        </p:spPr>
+        <p:txBody>
+          <a:bodyPr lIns="68569" tIns="68569" rIns="68569" bIns="68569" anchor="b" anchorCtr="0">
+            <a:noAutofit/>
+          </a:bodyPr>
+          <a:lstStyle/>
+          <a:p>
+            <a:r>
+              <a:rPr lang="en" sz="4800" dirty="0"/>
+              <a:t>Future plans</a:t>
+            </a:r>
+          </a:p>
+        </p:txBody>
+      </p:sp>
+      <p:sp>
+        <p:nvSpPr>
+          <p:cNvPr id="2101" name="Shape 2101"/>
+          <p:cNvSpPr txBox="1">
+            <a:spLocks noGrp="1"/>
+          </p:cNvSpPr>
+          <p:nvPr>
+            <p:ph type="sldNum" idx="12"/>
+          </p:nvPr>
+        </p:nvSpPr>
+        <p:spPr>
+          <a:xfrm>
+            <a:off x="7560595" y="5607102"/>
+            <a:ext cx="411524" cy="393524"/>
+          </a:xfrm>
+          <a:prstGeom prst="rect">
+            <a:avLst/>
+          </a:prstGeom>
+        </p:spPr>
+        <p:txBody>
+          <a:bodyPr lIns="68569" tIns="68569" rIns="68569" bIns="68569" anchor="ctr" anchorCtr="0">
+            <a:noAutofit/>
+          </a:bodyPr>
+          <a:lstStyle/>
+          <a:p>
+            <a:fld id="{00000000-1234-1234-1234-123412341234}" type="slidenum">
+              <a:rPr lang="en"/>
+              <a:pPr/>
+              <a:t>7</a:t>
+            </a:fld>
+            <a:endParaRPr lang="en"/>
+          </a:p>
+        </p:txBody>
+      </p:sp>
+      <p:sp>
+        <p:nvSpPr>
+          <p:cNvPr id="2103" name="Shape 2103"/>
+          <p:cNvSpPr/>
+          <p:nvPr/>
+        </p:nvSpPr>
+        <p:spPr>
+          <a:xfrm>
+            <a:off x="5866126" y="2538789"/>
+            <a:ext cx="803699" cy="333899"/>
+          </a:xfrm>
+          <a:prstGeom prst="rect">
+            <a:avLst/>
+          </a:prstGeom>
+          <a:solidFill>
+            <a:srgbClr val="FFFFFF"/>
+          </a:solidFill>
+          <a:ln w="19050" cap="flat" cmpd="sng">
+            <a:solidFill>
+              <a:srgbClr val="FFFFFF"/>
+            </a:solidFill>
+            <a:prstDash val="solid"/>
+            <a:round/>
+            <a:headEnd type="none" w="med" len="med"/>
+            <a:tailEnd type="none" w="med" len="med"/>
+          </a:ln>
+        </p:spPr>
+        <p:txBody>
+          <a:bodyPr lIns="68569" tIns="68569" rIns="68569" bIns="68569" anchor="ctr" anchorCtr="0">
+            <a:noAutofit/>
+          </a:bodyPr>
+          <a:lstStyle/>
+          <a:p>
+            <a:endParaRPr sz="1350"/>
+          </a:p>
+        </p:txBody>
+      </p:sp>
+      <p:sp>
+        <p:nvSpPr>
+          <p:cNvPr id="2105" name="Shape 2105"/>
+          <p:cNvSpPr/>
+          <p:nvPr/>
+        </p:nvSpPr>
+        <p:spPr>
+          <a:xfrm>
+            <a:off x="7687858" y="2567814"/>
+            <a:ext cx="251099" cy="333899"/>
+          </a:xfrm>
+          <a:prstGeom prst="rect">
+            <a:avLst/>
+          </a:prstGeom>
+          <a:solidFill>
+            <a:srgbClr val="FFFFFF"/>
+          </a:solidFill>
+          <a:ln>
+            <a:noFill/>
+          </a:ln>
+        </p:spPr>
+        <p:txBody>
+          <a:bodyPr lIns="68569" tIns="68569" rIns="68569" bIns="68569" anchor="ctr" anchorCtr="0">
+            <a:noAutofit/>
+          </a:bodyPr>
+          <a:lstStyle/>
+          <a:p>
+            <a:endParaRPr sz="1350"/>
+          </a:p>
+        </p:txBody>
+      </p:sp>
+      <p:sp>
+        <p:nvSpPr>
+          <p:cNvPr id="2106" name="Shape 2106"/>
+          <p:cNvSpPr/>
+          <p:nvPr/>
+        </p:nvSpPr>
+        <p:spPr>
+          <a:xfrm>
+            <a:off x="7597519" y="3127914"/>
+            <a:ext cx="341550" cy="333899"/>
+          </a:xfrm>
+          <a:prstGeom prst="rect">
+            <a:avLst/>
+          </a:prstGeom>
+          <a:solidFill>
+            <a:srgbClr val="FFFFFF"/>
+          </a:solidFill>
+          <a:ln>
+            <a:noFill/>
+          </a:ln>
+        </p:spPr>
+        <p:txBody>
+          <a:bodyPr lIns="68569" tIns="68569" rIns="68569" bIns="68569" anchor="ctr" anchorCtr="0">
+            <a:noAutofit/>
+          </a:bodyPr>
+          <a:lstStyle/>
+          <a:p>
+            <a:endParaRPr sz="1350"/>
+          </a:p>
+        </p:txBody>
+      </p:sp>
+      <p:sp>
+        <p:nvSpPr>
+          <p:cNvPr id="2107" name="Shape 2107"/>
+          <p:cNvSpPr/>
+          <p:nvPr/>
+        </p:nvSpPr>
+        <p:spPr>
+          <a:xfrm>
+            <a:off x="7560600" y="3741188"/>
+            <a:ext cx="341550" cy="165600"/>
+          </a:xfrm>
+          <a:prstGeom prst="rect">
+            <a:avLst/>
+          </a:prstGeom>
+          <a:solidFill>
+            <a:srgbClr val="FFFFFF"/>
+          </a:solidFill>
+          <a:ln>
+            <a:noFill/>
+          </a:ln>
+        </p:spPr>
+        <p:txBody>
+          <a:bodyPr lIns="68569" tIns="68569" rIns="68569" bIns="68569" anchor="ctr" anchorCtr="0">
+            <a:noAutofit/>
+          </a:bodyPr>
+          <a:lstStyle/>
+          <a:p>
+            <a:endParaRPr sz="1350"/>
+          </a:p>
+        </p:txBody>
+      </p:sp>
+      <p:sp>
+        <p:nvSpPr>
+          <p:cNvPr id="2" name="TextBox 1"/>
+          <p:cNvSpPr txBox="1"/>
+          <p:nvPr/>
+        </p:nvSpPr>
+        <p:spPr>
+          <a:xfrm>
+            <a:off x="424358" y="3468793"/>
+            <a:ext cx="3724309" cy="954107"/>
+          </a:xfrm>
+          <a:prstGeom prst="rect">
+            <a:avLst/>
+          </a:prstGeom>
+          <a:noFill/>
+        </p:spPr>
+        <p:txBody>
+          <a:bodyPr wrap="square" rtlCol="0">
+            <a:spAutoFit/>
+          </a:bodyPr>
+          <a:lstStyle/>
+          <a:p>
+            <a:r>
+              <a:rPr lang="en-US" sz="2800" dirty="0">
+                <a:latin typeface="Cambria" charset="0"/>
+                <a:ea typeface="Cambria" charset="0"/>
+                <a:cs typeface="Cambria" charset="0"/>
+              </a:rPr>
+              <a:t>Traffic jam notification system service</a:t>
+            </a:r>
+          </a:p>
+        </p:txBody>
+      </p:sp>
+      <p:pic>
+        <p:nvPicPr>
+          <p:cNvPr id="3" name="Picture 2"/>
+          <p:cNvPicPr>
+            <a:picLocks noChangeAspect="1"/>
+          </p:cNvPicPr>
+          <p:nvPr/>
+        </p:nvPicPr>
+        <p:blipFill>
+          <a:blip r:embed="rId3">
+            <a:extLst>
+              <a:ext uri="{28A0092B-C50C-407E-A947-70E740481C1C}">
+                <a14:useLocalDpi xmlns:a14="http://schemas.microsoft.com/office/drawing/2010/main" val="0"/>
+              </a:ext>
+            </a:extLst>
+          </a:blip>
+          <a:stretch>
+            <a:fillRect/>
+          </a:stretch>
+        </p:blipFill>
+        <p:spPr>
+          <a:xfrm>
+            <a:off x="5279365" y="2642374"/>
+            <a:ext cx="3505973" cy="2626096"/>
+          </a:xfrm>
+          <a:prstGeom prst="rect">
+            <a:avLst/>
+          </a:prstGeom>
+        </p:spPr>
+      </p:pic>
+      <p:sp>
+        <p:nvSpPr>
+          <p:cNvPr id="12" name="Shape 81"/>
+          <p:cNvSpPr/>
+          <p:nvPr/>
+        </p:nvSpPr>
+        <p:spPr>
+          <a:xfrm>
+            <a:off x="252129" y="1747686"/>
+            <a:ext cx="666900" cy="666900"/>
+          </a:xfrm>
+          <a:prstGeom prst="ellipse">
+            <a:avLst/>
+          </a:prstGeom>
+          <a:solidFill>
+            <a:schemeClr val="lt2"/>
+          </a:solidFill>
+          <a:ln w="19050" cap="flat" cmpd="sng">
+            <a:solidFill>
+              <a:schemeClr val="dk2"/>
+            </a:solidFill>
+            <a:prstDash val="solid"/>
+            <a:round/>
+            <a:headEnd type="none" w="med" len="med"/>
+            <a:tailEnd type="none" w="med" len="med"/>
+          </a:ln>
+        </p:spPr>
+        <p:txBody>
+          <a:bodyPr lIns="68569" tIns="68569" rIns="68569" bIns="68569" anchor="ctr" anchorCtr="0">
+            <a:noAutofit/>
+          </a:bodyPr>
+          <a:lstStyle/>
+          <a:p>
+            <a:pPr algn="ctr"/>
+            <a:r>
+              <a:rPr lang="en-US" sz="2250" b="1" dirty="0" smtClean="0"/>
+              <a:t>1</a:t>
+            </a:r>
+            <a:endParaRPr lang="en" sz="2250" b="1" dirty="0"/>
+          </a:p>
+        </p:txBody>
+      </p:sp>
+      <p:sp>
+        <p:nvSpPr>
+          <p:cNvPr id="13" name="Shape 81"/>
+          <p:cNvSpPr/>
+          <p:nvPr/>
+        </p:nvSpPr>
+        <p:spPr>
+          <a:xfrm>
+            <a:off x="1369729" y="1747686"/>
+            <a:ext cx="666900" cy="666900"/>
+          </a:xfrm>
+          <a:prstGeom prst="ellipse">
+            <a:avLst/>
+          </a:prstGeom>
+          <a:solidFill>
+            <a:schemeClr val="lt2"/>
+          </a:solidFill>
+          <a:ln w="19050" cap="flat" cmpd="sng">
+            <a:solidFill>
+              <a:schemeClr val="dk2"/>
+            </a:solidFill>
+            <a:prstDash val="solid"/>
+            <a:round/>
+            <a:headEnd type="none" w="med" len="med"/>
+            <a:tailEnd type="none" w="med" len="med"/>
+          </a:ln>
+        </p:spPr>
+        <p:txBody>
+          <a:bodyPr lIns="68569" tIns="68569" rIns="68569" bIns="68569" anchor="ctr" anchorCtr="0">
+            <a:noAutofit/>
+          </a:bodyPr>
+          <a:lstStyle/>
+          <a:p>
+            <a:pPr algn="ctr"/>
+            <a:r>
+              <a:rPr lang="en-US" sz="2250" b="1" dirty="0" smtClean="0"/>
+              <a:t>2</a:t>
+            </a:r>
+            <a:endParaRPr lang="en" sz="2250" b="1" dirty="0"/>
+          </a:p>
+        </p:txBody>
+      </p:sp>
+      <p:sp>
+        <p:nvSpPr>
+          <p:cNvPr id="16" name="Shape 81"/>
+          <p:cNvSpPr/>
+          <p:nvPr/>
+        </p:nvSpPr>
+        <p:spPr>
+          <a:xfrm>
+            <a:off x="2487329" y="1747686"/>
+            <a:ext cx="666900" cy="666900"/>
+          </a:xfrm>
+          <a:prstGeom prst="ellipse">
+            <a:avLst/>
+          </a:prstGeom>
+          <a:solidFill>
+            <a:schemeClr val="lt2"/>
+          </a:solidFill>
+          <a:ln w="19050" cap="flat" cmpd="sng">
+            <a:solidFill>
+              <a:schemeClr val="dk2"/>
+            </a:solidFill>
+            <a:prstDash val="solid"/>
+            <a:round/>
+            <a:headEnd type="none" w="med" len="med"/>
+            <a:tailEnd type="none" w="med" len="med"/>
+          </a:ln>
+        </p:spPr>
+        <p:txBody>
+          <a:bodyPr lIns="68569" tIns="68569" rIns="68569" bIns="68569" anchor="ctr" anchorCtr="0">
+            <a:noAutofit/>
+          </a:bodyPr>
+          <a:lstStyle/>
+          <a:p>
+            <a:pPr algn="ctr"/>
+            <a:r>
+              <a:rPr lang="en-US" sz="2250" b="1" dirty="0" smtClean="0"/>
+              <a:t>3</a:t>
+            </a:r>
+            <a:endParaRPr lang="en" sz="2250" b="1" dirty="0"/>
+          </a:p>
+        </p:txBody>
+      </p:sp>
+    </p:spTree>
+    <p:extLst>
+      <p:ext uri="{BB962C8B-B14F-4D97-AF65-F5344CB8AC3E}">
+        <p14:creationId xmlns:p14="http://schemas.microsoft.com/office/powerpoint/2010/main" val="2054581767"/>
+      </p:ext>
+    </p:extLst>
+  </p:cSld>
+  <p:clrMapOvr>
+    <a:masterClrMapping/>
+  </p:clrMapOvr>
+  <p:transition spd="slow">
+    <p:cut/>
+  </p:transition>
+</p:sld>
+</file>
+
+<file path=ppt/slides/slide8.xml><?xml version="1.0" encoding="utf-8"?>
+<p:sld xmlns:a="http://schemas.openxmlformats.org/drawingml/2006/main" xmlns:r="http://schemas.openxmlformats.org/officeDocument/2006/relationships" xmlns:p="http://schemas.openxmlformats.org/presentationml/2006/main">
+  <p:cSld>
+    <p:spTree>
+      <p:nvGrpSpPr>
         <p:cNvPr id="1" name="Shape 2118"/>
         <p:cNvGrpSpPr/>
         <p:nvPr/>
@@ -4018,7 +6939,7 @@
                 </a:solidFill>
               </a:rPr>
               <a:pPr/>
-              <a:t>2</a:t>
+              <a:t>8</a:t>
             </a:fld>
             <a:endParaRPr lang="en">
               <a:solidFill>
